--- a/span_lab.pptx
+++ b/span_lab.pptx
@@ -1,21 +1,26 @@
 
 <file path=ppt/presentation.xml><?xml version="1.0" encoding="utf-8"?>
-<p:presentation xmlns:a="http://schemas.openxmlformats.org/drawingml/2006/main" xmlns:r="http://schemas.openxmlformats.org/officeDocument/2006/relationships" xmlns:p="http://schemas.openxmlformats.org/presentationml/2006/main" saveSubsetFonts="1">
+<p:presentation xmlns:a="http://schemas.openxmlformats.org/drawingml/2006/main" xmlns:r="http://schemas.openxmlformats.org/officeDocument/2006/relationships" xmlns:p="http://schemas.openxmlformats.org/presentationml/2006/main" showSpecialPlsOnTitleSld="0" saveSubsetFonts="1">
   <p:sldMasterIdLst>
     <p:sldMasterId id="2147483648" r:id="rId1"/>
   </p:sldMasterIdLst>
+  <p:notesMasterIdLst>
+    <p:notesMasterId r:id="rId15"/>
+  </p:notesMasterIdLst>
   <p:sldIdLst>
     <p:sldId id="256" r:id="rId2"/>
     <p:sldId id="257" r:id="rId3"/>
-    <p:sldId id="264" r:id="rId4"/>
-    <p:sldId id="265" r:id="rId5"/>
-    <p:sldId id="263" r:id="rId6"/>
-    <p:sldId id="258" r:id="rId7"/>
-    <p:sldId id="266" r:id="rId8"/>
-    <p:sldId id="260" r:id="rId9"/>
-    <p:sldId id="259" r:id="rId10"/>
-    <p:sldId id="267" r:id="rId11"/>
-    <p:sldId id="268" r:id="rId12"/>
+    <p:sldId id="270" r:id="rId4"/>
+    <p:sldId id="264" r:id="rId5"/>
+    <p:sldId id="265" r:id="rId6"/>
+    <p:sldId id="263" r:id="rId7"/>
+    <p:sldId id="258" r:id="rId8"/>
+    <p:sldId id="269" r:id="rId9"/>
+    <p:sldId id="266" r:id="rId10"/>
+    <p:sldId id="260" r:id="rId11"/>
+    <p:sldId id="259" r:id="rId12"/>
+    <p:sldId id="267" r:id="rId13"/>
+    <p:sldId id="268" r:id="rId14"/>
   </p:sldIdLst>
   <p:sldSz cx="12192000" cy="6858000"/>
   <p:notesSz cx="6858000" cy="9144000"/>
@@ -114,7 +119,362 @@
       </a:defRPr>
     </a:lvl9pPr>
   </p:defaultTextStyle>
+  <p:extLst>
+    <p:ext uri="{EFAFB233-063F-42B5-8137-9DF3F51BA10A}">
+      <p15:sldGuideLst xmlns:p15="http://schemas.microsoft.com/office/powerpoint/2012/main"/>
+    </p:ext>
+  </p:extLst>
 </p:presentation>
+</file>
+
+<file path=ppt/notesMasters/notesMaster1.xml><?xml version="1.0" encoding="utf-8"?>
+<p:notesMaster xmlns:a="http://schemas.openxmlformats.org/drawingml/2006/main" xmlns:r="http://schemas.openxmlformats.org/officeDocument/2006/relationships" xmlns:p="http://schemas.openxmlformats.org/presentationml/2006/main">
+  <p:cSld>
+    <p:bg>
+      <p:bgRef idx="1001">
+        <a:schemeClr val="bg1"/>
+      </p:bgRef>
+    </p:bg>
+    <p:spTree>
+      <p:nvGrpSpPr>
+        <p:cNvPr id="1" name=""/>
+        <p:cNvGrpSpPr/>
+        <p:nvPr/>
+      </p:nvGrpSpPr>
+      <p:grpSpPr>
+        <a:xfrm>
+          <a:off x="0" y="0"/>
+          <a:ext cx="0" cy="0"/>
+          <a:chOff x="0" y="0"/>
+          <a:chExt cx="0" cy="0"/>
+        </a:xfrm>
+      </p:grpSpPr>
+      <p:sp>
+        <p:nvSpPr>
+          <p:cNvPr id="2" name="Header Placeholder 1"/>
+          <p:cNvSpPr>
+            <a:spLocks noGrp="1"/>
+          </p:cNvSpPr>
+          <p:nvPr>
+            <p:ph type="hdr" sz="quarter"/>
+          </p:nvPr>
+        </p:nvSpPr>
+        <p:spPr>
+          <a:xfrm>
+            <a:off x="0" y="0"/>
+            <a:ext cx="2971800" cy="458788"/>
+          </a:xfrm>
+          <a:prstGeom prst="rect">
+            <a:avLst/>
+          </a:prstGeom>
+        </p:spPr>
+        <p:txBody>
+          <a:bodyPr vert="horz" lIns="91440" tIns="45720" rIns="91440" bIns="45720" rtlCol="0"/>
+          <a:lstStyle>
+            <a:lvl1pPr algn="l">
+              <a:defRPr sz="1200"/>
+            </a:lvl1pPr>
+          </a:lstStyle>
+          <a:p>
+            <a:endParaRPr lang="el-GR"/>
+          </a:p>
+        </p:txBody>
+      </p:sp>
+      <p:sp>
+        <p:nvSpPr>
+          <p:cNvPr id="3" name="Date Placeholder 2"/>
+          <p:cNvSpPr>
+            <a:spLocks noGrp="1"/>
+          </p:cNvSpPr>
+          <p:nvPr>
+            <p:ph type="dt" idx="1"/>
+          </p:nvPr>
+        </p:nvSpPr>
+        <p:spPr>
+          <a:xfrm>
+            <a:off x="3884613" y="0"/>
+            <a:ext cx="2971800" cy="458788"/>
+          </a:xfrm>
+          <a:prstGeom prst="rect">
+            <a:avLst/>
+          </a:prstGeom>
+        </p:spPr>
+        <p:txBody>
+          <a:bodyPr vert="horz" lIns="91440" tIns="45720" rIns="91440" bIns="45720" rtlCol="0"/>
+          <a:lstStyle>
+            <a:lvl1pPr algn="r">
+              <a:defRPr sz="1200"/>
+            </a:lvl1pPr>
+          </a:lstStyle>
+          <a:p>
+            <a:fld id="{6AAEB82B-8AA0-4EA0-AE66-33A546925240}" type="datetimeFigureOut">
+              <a:rPr lang="el-GR" smtClean="0"/>
+              <a:t>19/4/2018</a:t>
+            </a:fld>
+            <a:endParaRPr lang="el-GR"/>
+          </a:p>
+        </p:txBody>
+      </p:sp>
+      <p:sp>
+        <p:nvSpPr>
+          <p:cNvPr id="4" name="Slide Image Placeholder 3"/>
+          <p:cNvSpPr>
+            <a:spLocks noGrp="1" noRot="1" noChangeAspect="1"/>
+          </p:cNvSpPr>
+          <p:nvPr>
+            <p:ph type="sldImg" idx="2"/>
+          </p:nvPr>
+        </p:nvSpPr>
+        <p:spPr>
+          <a:xfrm>
+            <a:off x="685800" y="1143000"/>
+            <a:ext cx="5486400" cy="3086100"/>
+          </a:xfrm>
+          <a:prstGeom prst="rect">
+            <a:avLst/>
+          </a:prstGeom>
+          <a:noFill/>
+          <a:ln w="12700">
+            <a:solidFill>
+              <a:prstClr val="black"/>
+            </a:solidFill>
+          </a:ln>
+        </p:spPr>
+        <p:txBody>
+          <a:bodyPr vert="horz" lIns="91440" tIns="45720" rIns="91440" bIns="45720" rtlCol="0" anchor="ctr"/>
+          <a:lstStyle/>
+          <a:p>
+            <a:endParaRPr lang="el-GR"/>
+          </a:p>
+        </p:txBody>
+      </p:sp>
+      <p:sp>
+        <p:nvSpPr>
+          <p:cNvPr id="5" name="Notes Placeholder 4"/>
+          <p:cNvSpPr>
+            <a:spLocks noGrp="1"/>
+          </p:cNvSpPr>
+          <p:nvPr>
+            <p:ph type="body" sz="quarter" idx="3"/>
+          </p:nvPr>
+        </p:nvSpPr>
+        <p:spPr>
+          <a:xfrm>
+            <a:off x="685800" y="4400550"/>
+            <a:ext cx="5486400" cy="3600450"/>
+          </a:xfrm>
+          <a:prstGeom prst="rect">
+            <a:avLst/>
+          </a:prstGeom>
+        </p:spPr>
+        <p:txBody>
+          <a:bodyPr vert="horz" lIns="91440" tIns="45720" rIns="91440" bIns="45720" rtlCol="0"/>
+          <a:lstStyle/>
+          <a:p>
+            <a:pPr lvl="0"/>
+            <a:r>
+              <a:rPr lang="en-US"/>
+              <a:t>Edit Master text styles</a:t>
+            </a:r>
+          </a:p>
+          <a:p>
+            <a:pPr lvl="1"/>
+            <a:r>
+              <a:rPr lang="en-US"/>
+              <a:t>Second level</a:t>
+            </a:r>
+          </a:p>
+          <a:p>
+            <a:pPr lvl="2"/>
+            <a:r>
+              <a:rPr lang="en-US"/>
+              <a:t>Third level</a:t>
+            </a:r>
+          </a:p>
+          <a:p>
+            <a:pPr lvl="3"/>
+            <a:r>
+              <a:rPr lang="en-US"/>
+              <a:t>Fourth level</a:t>
+            </a:r>
+          </a:p>
+          <a:p>
+            <a:pPr lvl="4"/>
+            <a:r>
+              <a:rPr lang="en-US"/>
+              <a:t>Fifth level</a:t>
+            </a:r>
+            <a:endParaRPr lang="el-GR"/>
+          </a:p>
+        </p:txBody>
+      </p:sp>
+      <p:sp>
+        <p:nvSpPr>
+          <p:cNvPr id="6" name="Footer Placeholder 5"/>
+          <p:cNvSpPr>
+            <a:spLocks noGrp="1"/>
+          </p:cNvSpPr>
+          <p:nvPr>
+            <p:ph type="ftr" sz="quarter" idx="4"/>
+          </p:nvPr>
+        </p:nvSpPr>
+        <p:spPr>
+          <a:xfrm>
+            <a:off x="0" y="8685213"/>
+            <a:ext cx="2971800" cy="458787"/>
+          </a:xfrm>
+          <a:prstGeom prst="rect">
+            <a:avLst/>
+          </a:prstGeom>
+        </p:spPr>
+        <p:txBody>
+          <a:bodyPr vert="horz" lIns="91440" tIns="45720" rIns="91440" bIns="45720" rtlCol="0" anchor="b"/>
+          <a:lstStyle>
+            <a:lvl1pPr algn="l">
+              <a:defRPr sz="1200"/>
+            </a:lvl1pPr>
+          </a:lstStyle>
+          <a:p>
+            <a:endParaRPr lang="el-GR"/>
+          </a:p>
+        </p:txBody>
+      </p:sp>
+      <p:sp>
+        <p:nvSpPr>
+          <p:cNvPr id="7" name="Slide Number Placeholder 6"/>
+          <p:cNvSpPr>
+            <a:spLocks noGrp="1"/>
+          </p:cNvSpPr>
+          <p:nvPr>
+            <p:ph type="sldNum" sz="quarter" idx="5"/>
+          </p:nvPr>
+        </p:nvSpPr>
+        <p:spPr>
+          <a:xfrm>
+            <a:off x="3884613" y="8685213"/>
+            <a:ext cx="2971800" cy="458787"/>
+          </a:xfrm>
+          <a:prstGeom prst="rect">
+            <a:avLst/>
+          </a:prstGeom>
+        </p:spPr>
+        <p:txBody>
+          <a:bodyPr vert="horz" lIns="91440" tIns="45720" rIns="91440" bIns="45720" rtlCol="0" anchor="b"/>
+          <a:lstStyle>
+            <a:lvl1pPr algn="r">
+              <a:defRPr sz="1200"/>
+            </a:lvl1pPr>
+          </a:lstStyle>
+          <a:p>
+            <a:fld id="{F80A6097-9B82-4910-93B8-EDCB14ECDD32}" type="slidenum">
+              <a:rPr lang="el-GR" smtClean="0"/>
+              <a:t>‹#›</a:t>
+            </a:fld>
+            <a:endParaRPr lang="el-GR"/>
+          </a:p>
+        </p:txBody>
+      </p:sp>
+    </p:spTree>
+    <p:extLst>
+      <p:ext uri="{BB962C8B-B14F-4D97-AF65-F5344CB8AC3E}">
+        <p14:creationId xmlns:p14="http://schemas.microsoft.com/office/powerpoint/2010/main" val="3808351160"/>
+      </p:ext>
+    </p:extLst>
+  </p:cSld>
+  <p:clrMap bg1="lt1" tx1="dk1" bg2="lt2" tx2="dk2" accent1="accent1" accent2="accent2" accent3="accent3" accent4="accent4" accent5="accent5" accent6="accent6" hlink="hlink" folHlink="folHlink"/>
+  <p:notesStyle>
+    <a:lvl1pPr marL="0" algn="l" defTabSz="914400" rtl="0" eaLnBrk="1" latinLnBrk="0" hangingPunct="1">
+      <a:defRPr sz="1200" kern="1200">
+        <a:solidFill>
+          <a:schemeClr val="tx1"/>
+        </a:solidFill>
+        <a:latin typeface="+mn-lt"/>
+        <a:ea typeface="+mn-ea"/>
+        <a:cs typeface="+mn-cs"/>
+      </a:defRPr>
+    </a:lvl1pPr>
+    <a:lvl2pPr marL="457200" algn="l" defTabSz="914400" rtl="0" eaLnBrk="1" latinLnBrk="0" hangingPunct="1">
+      <a:defRPr sz="1200" kern="1200">
+        <a:solidFill>
+          <a:schemeClr val="tx1"/>
+        </a:solidFill>
+        <a:latin typeface="+mn-lt"/>
+        <a:ea typeface="+mn-ea"/>
+        <a:cs typeface="+mn-cs"/>
+      </a:defRPr>
+    </a:lvl2pPr>
+    <a:lvl3pPr marL="914400" algn="l" defTabSz="914400" rtl="0" eaLnBrk="1" latinLnBrk="0" hangingPunct="1">
+      <a:defRPr sz="1200" kern="1200">
+        <a:solidFill>
+          <a:schemeClr val="tx1"/>
+        </a:solidFill>
+        <a:latin typeface="+mn-lt"/>
+        <a:ea typeface="+mn-ea"/>
+        <a:cs typeface="+mn-cs"/>
+      </a:defRPr>
+    </a:lvl3pPr>
+    <a:lvl4pPr marL="1371600" algn="l" defTabSz="914400" rtl="0" eaLnBrk="1" latinLnBrk="0" hangingPunct="1">
+      <a:defRPr sz="1200" kern="1200">
+        <a:solidFill>
+          <a:schemeClr val="tx1"/>
+        </a:solidFill>
+        <a:latin typeface="+mn-lt"/>
+        <a:ea typeface="+mn-ea"/>
+        <a:cs typeface="+mn-cs"/>
+      </a:defRPr>
+    </a:lvl4pPr>
+    <a:lvl5pPr marL="1828800" algn="l" defTabSz="914400" rtl="0" eaLnBrk="1" latinLnBrk="0" hangingPunct="1">
+      <a:defRPr sz="1200" kern="1200">
+        <a:solidFill>
+          <a:schemeClr val="tx1"/>
+        </a:solidFill>
+        <a:latin typeface="+mn-lt"/>
+        <a:ea typeface="+mn-ea"/>
+        <a:cs typeface="+mn-cs"/>
+      </a:defRPr>
+    </a:lvl5pPr>
+    <a:lvl6pPr marL="2286000" algn="l" defTabSz="914400" rtl="0" eaLnBrk="1" latinLnBrk="0" hangingPunct="1">
+      <a:defRPr sz="1200" kern="1200">
+        <a:solidFill>
+          <a:schemeClr val="tx1"/>
+        </a:solidFill>
+        <a:latin typeface="+mn-lt"/>
+        <a:ea typeface="+mn-ea"/>
+        <a:cs typeface="+mn-cs"/>
+      </a:defRPr>
+    </a:lvl6pPr>
+    <a:lvl7pPr marL="2743200" algn="l" defTabSz="914400" rtl="0" eaLnBrk="1" latinLnBrk="0" hangingPunct="1">
+      <a:defRPr sz="1200" kern="1200">
+        <a:solidFill>
+          <a:schemeClr val="tx1"/>
+        </a:solidFill>
+        <a:latin typeface="+mn-lt"/>
+        <a:ea typeface="+mn-ea"/>
+        <a:cs typeface="+mn-cs"/>
+      </a:defRPr>
+    </a:lvl7pPr>
+    <a:lvl8pPr marL="3200400" algn="l" defTabSz="914400" rtl="0" eaLnBrk="1" latinLnBrk="0" hangingPunct="1">
+      <a:defRPr sz="1200" kern="1200">
+        <a:solidFill>
+          <a:schemeClr val="tx1"/>
+        </a:solidFill>
+        <a:latin typeface="+mn-lt"/>
+        <a:ea typeface="+mn-ea"/>
+        <a:cs typeface="+mn-cs"/>
+      </a:defRPr>
+    </a:lvl8pPr>
+    <a:lvl9pPr marL="3657600" algn="l" defTabSz="914400" rtl="0" eaLnBrk="1" latinLnBrk="0" hangingPunct="1">
+      <a:defRPr sz="1200" kern="1200">
+        <a:solidFill>
+          <a:schemeClr val="tx1"/>
+        </a:solidFill>
+        <a:latin typeface="+mn-lt"/>
+        <a:ea typeface="+mn-ea"/>
+        <a:cs typeface="+mn-cs"/>
+      </a:defRPr>
+    </a:lvl9pPr>
+  </p:notesStyle>
+</p:notesMaster>
 </file>
 
 <file path=ppt/slideLayouts/slideLayout1.xml><?xml version="1.0" encoding="utf-8"?>
@@ -264,9 +624,9 @@
           <a:bodyPr/>
           <a:lstStyle/>
           <a:p>
-            <a:fld id="{7C0345CB-E185-48B5-B12C-97B7D3438951}" type="datetimeFigureOut">
+            <a:fld id="{2B746820-E83C-49B9-829D-FC56B5EDBCDF}" type="datetime1">
               <a:rPr lang="el-GR" smtClean="0"/>
-              <a:t>18/4/2018</a:t>
+              <a:t>19/4/2018</a:t>
             </a:fld>
             <a:endParaRPr lang="el-GR"/>
           </a:p>
@@ -293,6 +653,10 @@
           <a:bodyPr/>
           <a:lstStyle/>
           <a:p>
+            <a:r>
+              <a:rPr lang="en-US"/>
+              <a:t>Span</a:t>
+            </a:r>
             <a:endParaRPr lang="el-GR"/>
           </a:p>
         </p:txBody>
@@ -464,9 +828,9 @@
           <a:bodyPr/>
           <a:lstStyle/>
           <a:p>
-            <a:fld id="{7C0345CB-E185-48B5-B12C-97B7D3438951}" type="datetimeFigureOut">
+            <a:fld id="{B00765DD-838E-4EBC-8D66-6FCA6C233324}" type="datetime1">
               <a:rPr lang="el-GR" smtClean="0"/>
-              <a:t>18/4/2018</a:t>
+              <a:t>19/4/2018</a:t>
             </a:fld>
             <a:endParaRPr lang="el-GR"/>
           </a:p>
@@ -493,6 +857,10 @@
           <a:bodyPr/>
           <a:lstStyle/>
           <a:p>
+            <a:r>
+              <a:rPr lang="en-US"/>
+              <a:t>Span</a:t>
+            </a:r>
             <a:endParaRPr lang="el-GR"/>
           </a:p>
         </p:txBody>
@@ -674,9 +1042,9 @@
           <a:bodyPr/>
           <a:lstStyle/>
           <a:p>
-            <a:fld id="{7C0345CB-E185-48B5-B12C-97B7D3438951}" type="datetimeFigureOut">
+            <a:fld id="{32B55583-B07D-47A8-9611-363671CB6716}" type="datetime1">
               <a:rPr lang="el-GR" smtClean="0"/>
-              <a:t>18/4/2018</a:t>
+              <a:t>19/4/2018</a:t>
             </a:fld>
             <a:endParaRPr lang="el-GR"/>
           </a:p>
@@ -703,6 +1071,10 @@
           <a:bodyPr/>
           <a:lstStyle/>
           <a:p>
+            <a:r>
+              <a:rPr lang="en-US"/>
+              <a:t>Span</a:t>
+            </a:r>
             <a:endParaRPr lang="el-GR"/>
           </a:p>
         </p:txBody>
@@ -874,9 +1246,9 @@
           <a:bodyPr/>
           <a:lstStyle/>
           <a:p>
-            <a:fld id="{7C0345CB-E185-48B5-B12C-97B7D3438951}" type="datetimeFigureOut">
+            <a:fld id="{8147F798-CF3E-4170-9850-81B652E33059}" type="datetime1">
               <a:rPr lang="el-GR" smtClean="0"/>
-              <a:t>18/4/2018</a:t>
+              <a:t>19/4/2018</a:t>
             </a:fld>
             <a:endParaRPr lang="el-GR"/>
           </a:p>
@@ -903,6 +1275,10 @@
           <a:bodyPr/>
           <a:lstStyle/>
           <a:p>
+            <a:r>
+              <a:rPr lang="en-US"/>
+              <a:t>Span</a:t>
+            </a:r>
             <a:endParaRPr lang="el-GR"/>
           </a:p>
         </p:txBody>
@@ -1150,9 +1526,9 @@
           <a:bodyPr/>
           <a:lstStyle/>
           <a:p>
-            <a:fld id="{7C0345CB-E185-48B5-B12C-97B7D3438951}" type="datetimeFigureOut">
+            <a:fld id="{2FEF7D3C-1A5A-4B30-8EA0-BB592629EDAF}" type="datetime1">
               <a:rPr lang="el-GR" smtClean="0"/>
-              <a:t>18/4/2018</a:t>
+              <a:t>19/4/2018</a:t>
             </a:fld>
             <a:endParaRPr lang="el-GR"/>
           </a:p>
@@ -1179,6 +1555,10 @@
           <a:bodyPr/>
           <a:lstStyle/>
           <a:p>
+            <a:r>
+              <a:rPr lang="en-US"/>
+              <a:t>Span</a:t>
+            </a:r>
             <a:endParaRPr lang="el-GR"/>
           </a:p>
         </p:txBody>
@@ -1418,9 +1798,9 @@
           <a:bodyPr/>
           <a:lstStyle/>
           <a:p>
-            <a:fld id="{7C0345CB-E185-48B5-B12C-97B7D3438951}" type="datetimeFigureOut">
+            <a:fld id="{836F49BA-DDEF-40AE-A4EB-4B61EA7E8786}" type="datetime1">
               <a:rPr lang="el-GR" smtClean="0"/>
-              <a:t>18/4/2018</a:t>
+              <a:t>19/4/2018</a:t>
             </a:fld>
             <a:endParaRPr lang="el-GR"/>
           </a:p>
@@ -1447,6 +1827,10 @@
           <a:bodyPr/>
           <a:lstStyle/>
           <a:p>
+            <a:r>
+              <a:rPr lang="en-US"/>
+              <a:t>Span</a:t>
+            </a:r>
             <a:endParaRPr lang="el-GR"/>
           </a:p>
         </p:txBody>
@@ -1833,9 +2217,9 @@
           <a:bodyPr/>
           <a:lstStyle/>
           <a:p>
-            <a:fld id="{7C0345CB-E185-48B5-B12C-97B7D3438951}" type="datetimeFigureOut">
+            <a:fld id="{1E4632AC-02B4-4562-8706-60735B2AC971}" type="datetime1">
               <a:rPr lang="el-GR" smtClean="0"/>
-              <a:t>18/4/2018</a:t>
+              <a:t>19/4/2018</a:t>
             </a:fld>
             <a:endParaRPr lang="el-GR"/>
           </a:p>
@@ -1862,6 +2246,10 @@
           <a:bodyPr/>
           <a:lstStyle/>
           <a:p>
+            <a:r>
+              <a:rPr lang="en-US"/>
+              <a:t>Span</a:t>
+            </a:r>
             <a:endParaRPr lang="el-GR"/>
           </a:p>
         </p:txBody>
@@ -1975,9 +2363,9 @@
           <a:bodyPr/>
           <a:lstStyle/>
           <a:p>
-            <a:fld id="{7C0345CB-E185-48B5-B12C-97B7D3438951}" type="datetimeFigureOut">
+            <a:fld id="{2E3035FF-7B97-49E6-9560-6B503BDDE09D}" type="datetime1">
               <a:rPr lang="el-GR" smtClean="0"/>
-              <a:t>18/4/2018</a:t>
+              <a:t>19/4/2018</a:t>
             </a:fld>
             <a:endParaRPr lang="el-GR"/>
           </a:p>
@@ -2004,6 +2392,10 @@
           <a:bodyPr/>
           <a:lstStyle/>
           <a:p>
+            <a:r>
+              <a:rPr lang="en-US"/>
+              <a:t>Span</a:t>
+            </a:r>
             <a:endParaRPr lang="el-GR"/>
           </a:p>
         </p:txBody>
@@ -2088,9 +2480,9 @@
           <a:bodyPr/>
           <a:lstStyle/>
           <a:p>
-            <a:fld id="{7C0345CB-E185-48B5-B12C-97B7D3438951}" type="datetimeFigureOut">
+            <a:fld id="{7F02A9B0-F8A6-4BA5-8498-513F0E0A8AB4}" type="datetime1">
               <a:rPr lang="el-GR" smtClean="0"/>
-              <a:t>18/4/2018</a:t>
+              <a:t>19/4/2018</a:t>
             </a:fld>
             <a:endParaRPr lang="el-GR"/>
           </a:p>
@@ -2117,6 +2509,10 @@
           <a:bodyPr/>
           <a:lstStyle/>
           <a:p>
+            <a:r>
+              <a:rPr lang="en-US"/>
+              <a:t>Span</a:t>
+            </a:r>
             <a:endParaRPr lang="el-GR"/>
           </a:p>
         </p:txBody>
@@ -2401,9 +2797,9 @@
           <a:bodyPr/>
           <a:lstStyle/>
           <a:p>
-            <a:fld id="{7C0345CB-E185-48B5-B12C-97B7D3438951}" type="datetimeFigureOut">
+            <a:fld id="{E592C8EE-7BB7-4B08-97DF-773ED7A78820}" type="datetime1">
               <a:rPr lang="el-GR" smtClean="0"/>
-              <a:t>18/4/2018</a:t>
+              <a:t>19/4/2018</a:t>
             </a:fld>
             <a:endParaRPr lang="el-GR"/>
           </a:p>
@@ -2430,6 +2826,10 @@
           <a:bodyPr/>
           <a:lstStyle/>
           <a:p>
+            <a:r>
+              <a:rPr lang="en-US"/>
+              <a:t>Span</a:t>
+            </a:r>
             <a:endParaRPr lang="el-GR"/>
           </a:p>
         </p:txBody>
@@ -2690,9 +3090,9 @@
           <a:bodyPr/>
           <a:lstStyle/>
           <a:p>
-            <a:fld id="{7C0345CB-E185-48B5-B12C-97B7D3438951}" type="datetimeFigureOut">
+            <a:fld id="{58465154-3747-4CFB-AAE0-FB6CE7777D74}" type="datetime1">
               <a:rPr lang="el-GR" smtClean="0"/>
-              <a:t>18/4/2018</a:t>
+              <a:t>19/4/2018</a:t>
             </a:fld>
             <a:endParaRPr lang="el-GR"/>
           </a:p>
@@ -2719,6 +3119,10 @@
           <a:bodyPr/>
           <a:lstStyle/>
           <a:p>
+            <a:r>
+              <a:rPr lang="en-US"/>
+              <a:t>Span</a:t>
+            </a:r>
             <a:endParaRPr lang="el-GR"/>
           </a:p>
         </p:txBody>
@@ -2933,9 +3337,9 @@
             </a:lvl1pPr>
           </a:lstStyle>
           <a:p>
-            <a:fld id="{7C0345CB-E185-48B5-B12C-97B7D3438951}" type="datetimeFigureOut">
+            <a:fld id="{CD60F916-3B25-4904-8681-90CB6355334B}" type="datetime1">
               <a:rPr lang="el-GR" smtClean="0"/>
-              <a:t>18/4/2018</a:t>
+              <a:t>19/4/2018</a:t>
             </a:fld>
             <a:endParaRPr lang="el-GR"/>
           </a:p>
@@ -2980,6 +3384,10 @@
             </a:lvl1pPr>
           </a:lstStyle>
           <a:p>
+            <a:r>
+              <a:rPr lang="en-US"/>
+              <a:t>Span</a:t>
+            </a:r>
             <a:endParaRPr lang="el-GR"/>
           </a:p>
         </p:txBody>
@@ -3052,6 +3460,7 @@
     <p:sldLayoutId id="2147483658" r:id="rId10"/>
     <p:sldLayoutId id="2147483659" r:id="rId11"/>
   </p:sldLayoutIdLst>
+  <p:hf hdr="0"/>
   <p:txStyles>
     <p:titleStyle>
       <a:lvl1pPr algn="l" defTabSz="914400" rtl="0" eaLnBrk="1" latinLnBrk="0" hangingPunct="1">
@@ -3424,6 +3833,42 @@
           </a:p>
         </p:txBody>
       </p:sp>
+      <p:pic>
+        <p:nvPicPr>
+          <p:cNvPr id="4" name="Picture 3">
+            <a:extLst>
+              <a:ext uri="{FF2B5EF4-FFF2-40B4-BE49-F238E27FC236}">
+                <a16:creationId xmlns:a16="http://schemas.microsoft.com/office/drawing/2014/main" id="{9BFDA079-9A17-4491-9019-91E82DB034CB}"/>
+              </a:ext>
+            </a:extLst>
+          </p:cNvPr>
+          <p:cNvPicPr>
+            <a:picLocks noChangeAspect="1"/>
+          </p:cNvPicPr>
+          <p:nvPr/>
+        </p:nvPicPr>
+        <p:blipFill>
+          <a:blip r:embed="rId2">
+            <a:extLst>
+              <a:ext uri="{28A0092B-C50C-407E-A947-70E740481C1C}">
+                <a14:useLocalDpi xmlns:a14="http://schemas.microsoft.com/office/drawing/2010/main" val="0"/>
+              </a:ext>
+            </a:extLst>
+          </a:blip>
+          <a:stretch>
+            <a:fillRect/>
+          </a:stretch>
+        </p:blipFill>
+        <p:spPr>
+          <a:xfrm>
+            <a:off x="10322201" y="34131"/>
+            <a:ext cx="1684748" cy="646906"/>
+          </a:xfrm>
+          <a:prstGeom prst="rect">
+            <a:avLst/>
+          </a:prstGeom>
+        </p:spPr>
+      </p:pic>
     </p:spTree>
     <p:extLst>
       <p:ext uri="{BB962C8B-B14F-4D97-AF65-F5344CB8AC3E}">
@@ -3477,7 +3922,7 @@
           <a:p>
             <a:r>
               <a:rPr lang="en-US" b="1" dirty="0"/>
-              <a:t>Summary</a:t>
+              <a:t>Limitations</a:t>
             </a:r>
             <a:endParaRPr lang="el-GR" b="1" dirty="0"/>
           </a:p>
@@ -3501,68 +3946,228 @@
         </p:nvSpPr>
         <p:spPr/>
         <p:txBody>
-          <a:bodyPr>
-            <a:normAutofit/>
-          </a:bodyPr>
-          <a:lstStyle/>
-          <a:p>
-            <a:pPr fontAlgn="base"/>
+          <a:bodyPr/>
+          <a:lstStyle/>
+          <a:p>
             <a:r>
               <a:rPr lang="en-US" dirty="0"/>
-              <a:t>Work with any type of memory</a:t>
-            </a:r>
-          </a:p>
-          <a:p>
-            <a:pPr fontAlgn="base"/>
+              <a:t>Stack-only</a:t>
+            </a:r>
+          </a:p>
+          <a:p>
             <a:r>
               <a:rPr lang="en-US" dirty="0"/>
-              <a:t>Work with native memory much easier</a:t>
-            </a:r>
-          </a:p>
-          <a:p>
-            <a:pPr fontAlgn="base"/>
+              <a:t>Span must not be a field in non-stack-only type</a:t>
+            </a:r>
+          </a:p>
+          <a:p>
+            <a:endParaRPr lang="en-US" dirty="0"/>
+          </a:p>
+          <a:p>
+            <a:endParaRPr lang="en-US" sz="2000" dirty="0">
+              <a:solidFill>
+                <a:prstClr val="black">
+                  <a:lumMod val="50000"/>
+                  <a:lumOff val="50000"/>
+                </a:prstClr>
+              </a:solidFill>
+            </a:endParaRPr>
+          </a:p>
+          <a:p>
+            <a:endParaRPr lang="en-US" sz="2000" dirty="0">
+              <a:solidFill>
+                <a:schemeClr val="tx1">
+                  <a:lumMod val="50000"/>
+                  <a:lumOff val="50000"/>
+                </a:schemeClr>
+              </a:solidFill>
+            </a:endParaRPr>
+          </a:p>
+          <a:p>
             <a:r>
               <a:rPr lang="en-US" dirty="0"/>
-              <a:t>Avoid allocating and copying of memory with Slicing</a:t>
-            </a:r>
-          </a:p>
-          <a:p>
-            <a:pPr fontAlgn="base"/>
+              <a:t>Span must not implement any existing interface</a:t>
+            </a:r>
+          </a:p>
+          <a:p>
             <a:r>
               <a:rPr lang="en-US" dirty="0"/>
-              <a:t>Supports .NET Standard 1.0+</a:t>
-            </a:r>
-          </a:p>
-          <a:p>
-            <a:pPr fontAlgn="base"/>
+              <a:t>Span must not be a parameter for </a:t>
+            </a:r>
+            <a:r>
+              <a:rPr lang="en-US" dirty="0" err="1"/>
+              <a:t>async</a:t>
+            </a:r>
             <a:r>
               <a:rPr lang="en-US" dirty="0"/>
-              <a:t>It’s performance is on par with Array for new runtimes.</a:t>
-            </a:r>
-          </a:p>
-          <a:p>
-            <a:pPr fontAlgn="base"/>
+              <a:t> method</a:t>
+            </a:r>
+          </a:p>
+          <a:p>
             <a:r>
               <a:rPr lang="en-US" dirty="0"/>
-              <a:t>It’s limited due to stack only requirements.</a:t>
-            </a:r>
-          </a:p>
-          <a:p>
-            <a:pPr fontAlgn="base"/>
-            <a:r>
-              <a:rPr lang="en-US" dirty="0"/>
-              <a:t>It’s not finished yet, we need C# 7.2 to have safety guaranteed by the compiler</a:t>
-            </a:r>
-          </a:p>
-          <a:p>
-            <a:endParaRPr lang="en-US" dirty="0"/>
-          </a:p>
-        </p:txBody>
-      </p:sp>
+              <a:t>Span must not be a generic type argument</a:t>
+            </a:r>
+          </a:p>
+        </p:txBody>
+      </p:sp>
+      <p:pic>
+        <p:nvPicPr>
+          <p:cNvPr id="4" name="Picture 3">
+            <a:extLst>
+              <a:ext uri="{FF2B5EF4-FFF2-40B4-BE49-F238E27FC236}">
+                <a16:creationId xmlns:a16="http://schemas.microsoft.com/office/drawing/2014/main" id="{2C3799EF-928F-4379-8264-9ED2F8B44575}"/>
+              </a:ext>
+            </a:extLst>
+          </p:cNvPr>
+          <p:cNvPicPr>
+            <a:picLocks noChangeAspect="1"/>
+          </p:cNvPicPr>
+          <p:nvPr/>
+        </p:nvPicPr>
+        <p:blipFill>
+          <a:blip r:embed="rId2"/>
+          <a:stretch>
+            <a:fillRect/>
+          </a:stretch>
+        </p:blipFill>
+        <p:spPr>
+          <a:xfrm>
+            <a:off x="1203903" y="2822864"/>
+            <a:ext cx="2228850" cy="990600"/>
+          </a:xfrm>
+          <a:prstGeom prst="rect">
+            <a:avLst/>
+          </a:prstGeom>
+        </p:spPr>
+      </p:pic>
+      <p:sp>
+        <p:nvSpPr>
+          <p:cNvPr id="5" name="Date Placeholder 4">
+            <a:extLst>
+              <a:ext uri="{FF2B5EF4-FFF2-40B4-BE49-F238E27FC236}">
+                <a16:creationId xmlns:a16="http://schemas.microsoft.com/office/drawing/2014/main" id="{245CE18F-AEAB-4488-80DE-D529D2B5F6C1}"/>
+              </a:ext>
+            </a:extLst>
+          </p:cNvPr>
+          <p:cNvSpPr>
+            <a:spLocks noGrp="1"/>
+          </p:cNvSpPr>
+          <p:nvPr>
+            <p:ph type="dt" sz="half" idx="10"/>
+          </p:nvPr>
+        </p:nvSpPr>
+        <p:spPr/>
+        <p:txBody>
+          <a:bodyPr/>
+          <a:lstStyle/>
+          <a:p>
+            <a:fld id="{AF5592A7-F8FB-4498-ADC4-90E4B258ACE9}" type="datetime1">
+              <a:rPr lang="el-GR" smtClean="0"/>
+              <a:t>19/4/2018</a:t>
+            </a:fld>
+            <a:endParaRPr lang="el-GR"/>
+          </a:p>
+        </p:txBody>
+      </p:sp>
+      <p:sp>
+        <p:nvSpPr>
+          <p:cNvPr id="6" name="Footer Placeholder 5">
+            <a:extLst>
+              <a:ext uri="{FF2B5EF4-FFF2-40B4-BE49-F238E27FC236}">
+                <a16:creationId xmlns:a16="http://schemas.microsoft.com/office/drawing/2014/main" id="{E0E95BBD-38FF-4675-BB69-67E638D6E50F}"/>
+              </a:ext>
+            </a:extLst>
+          </p:cNvPr>
+          <p:cNvSpPr>
+            <a:spLocks noGrp="1"/>
+          </p:cNvSpPr>
+          <p:nvPr>
+            <p:ph type="ftr" sz="quarter" idx="11"/>
+          </p:nvPr>
+        </p:nvSpPr>
+        <p:spPr/>
+        <p:txBody>
+          <a:bodyPr/>
+          <a:lstStyle/>
+          <a:p>
+            <a:r>
+              <a:rPr lang="en-US"/>
+              <a:t>Span</a:t>
+            </a:r>
+            <a:endParaRPr lang="el-GR"/>
+          </a:p>
+        </p:txBody>
+      </p:sp>
+      <p:sp>
+        <p:nvSpPr>
+          <p:cNvPr id="7" name="Slide Number Placeholder 6">
+            <a:extLst>
+              <a:ext uri="{FF2B5EF4-FFF2-40B4-BE49-F238E27FC236}">
+                <a16:creationId xmlns:a16="http://schemas.microsoft.com/office/drawing/2014/main" id="{76B70DDC-C9F1-4B43-87AE-F05323945D13}"/>
+              </a:ext>
+            </a:extLst>
+          </p:cNvPr>
+          <p:cNvSpPr>
+            <a:spLocks noGrp="1"/>
+          </p:cNvSpPr>
+          <p:nvPr>
+            <p:ph type="sldNum" sz="quarter" idx="12"/>
+          </p:nvPr>
+        </p:nvSpPr>
+        <p:spPr/>
+        <p:txBody>
+          <a:bodyPr/>
+          <a:lstStyle/>
+          <a:p>
+            <a:fld id="{0B720F5E-57F2-4440-9313-17831BB4E27A}" type="slidenum">
+              <a:rPr lang="el-GR" smtClean="0"/>
+              <a:t>10</a:t>
+            </a:fld>
+            <a:endParaRPr lang="el-GR"/>
+          </a:p>
+        </p:txBody>
+      </p:sp>
+      <p:pic>
+        <p:nvPicPr>
+          <p:cNvPr id="8" name="Picture 7">
+            <a:extLst>
+              <a:ext uri="{FF2B5EF4-FFF2-40B4-BE49-F238E27FC236}">
+                <a16:creationId xmlns:a16="http://schemas.microsoft.com/office/drawing/2014/main" id="{4E946A59-4301-4E03-99BE-6A0E8D14F67C}"/>
+              </a:ext>
+            </a:extLst>
+          </p:cNvPr>
+          <p:cNvPicPr>
+            <a:picLocks noChangeAspect="1"/>
+          </p:cNvPicPr>
+          <p:nvPr/>
+        </p:nvPicPr>
+        <p:blipFill>
+          <a:blip r:embed="rId3">
+            <a:extLst>
+              <a:ext uri="{28A0092B-C50C-407E-A947-70E740481C1C}">
+                <a14:useLocalDpi xmlns:a14="http://schemas.microsoft.com/office/drawing/2010/main" val="0"/>
+              </a:ext>
+            </a:extLst>
+          </a:blip>
+          <a:stretch>
+            <a:fillRect/>
+          </a:stretch>
+        </p:blipFill>
+        <p:spPr>
+          <a:xfrm>
+            <a:off x="10322201" y="34131"/>
+            <a:ext cx="1684748" cy="646906"/>
+          </a:xfrm>
+          <a:prstGeom prst="rect">
+            <a:avLst/>
+          </a:prstGeom>
+        </p:spPr>
+      </p:pic>
     </p:spTree>
     <p:extLst>
       <p:ext uri="{BB962C8B-B14F-4D97-AF65-F5344CB8AC3E}">
-        <p14:creationId xmlns:p14="http://schemas.microsoft.com/office/powerpoint/2010/main" val="945648156"/>
+        <p14:creationId xmlns:p14="http://schemas.microsoft.com/office/powerpoint/2010/main" val="1029567431"/>
       </p:ext>
     </p:extLst>
   </p:cSld>
@@ -3612,6 +4217,577 @@
           <a:p>
             <a:r>
               <a:rPr lang="en-US" b="1" dirty="0"/>
+              <a:t>Version Hell</a:t>
+            </a:r>
+            <a:endParaRPr lang="el-GR" b="1" dirty="0"/>
+          </a:p>
+        </p:txBody>
+      </p:sp>
+      <p:pic>
+        <p:nvPicPr>
+          <p:cNvPr id="6" name="Picture 5">
+            <a:extLst>
+              <a:ext uri="{FF2B5EF4-FFF2-40B4-BE49-F238E27FC236}">
+                <a16:creationId xmlns:a16="http://schemas.microsoft.com/office/drawing/2014/main" id="{87291E36-CAF7-433E-89D9-15B03939CB0B}"/>
+              </a:ext>
+            </a:extLst>
+          </p:cNvPr>
+          <p:cNvPicPr>
+            <a:picLocks noChangeAspect="1"/>
+          </p:cNvPicPr>
+          <p:nvPr/>
+        </p:nvPicPr>
+        <p:blipFill>
+          <a:blip r:embed="rId2"/>
+          <a:stretch>
+            <a:fillRect/>
+          </a:stretch>
+        </p:blipFill>
+        <p:spPr>
+          <a:xfrm>
+            <a:off x="905164" y="1690688"/>
+            <a:ext cx="4544198" cy="2428306"/>
+          </a:xfrm>
+          <a:prstGeom prst="rect">
+            <a:avLst/>
+          </a:prstGeom>
+        </p:spPr>
+      </p:pic>
+      <p:pic>
+        <p:nvPicPr>
+          <p:cNvPr id="7" name="Picture 6">
+            <a:extLst>
+              <a:ext uri="{FF2B5EF4-FFF2-40B4-BE49-F238E27FC236}">
+                <a16:creationId xmlns:a16="http://schemas.microsoft.com/office/drawing/2014/main" id="{9B1848A9-A5A4-49C0-8013-BA591A697DD5}"/>
+              </a:ext>
+            </a:extLst>
+          </p:cNvPr>
+          <p:cNvPicPr>
+            <a:picLocks noChangeAspect="1"/>
+          </p:cNvPicPr>
+          <p:nvPr/>
+        </p:nvPicPr>
+        <p:blipFill>
+          <a:blip r:embed="rId3"/>
+          <a:stretch>
+            <a:fillRect/>
+          </a:stretch>
+        </p:blipFill>
+        <p:spPr>
+          <a:xfrm>
+            <a:off x="911600" y="4349903"/>
+            <a:ext cx="4537762" cy="1995479"/>
+          </a:xfrm>
+          <a:prstGeom prst="rect">
+            <a:avLst/>
+          </a:prstGeom>
+        </p:spPr>
+      </p:pic>
+      <p:pic>
+        <p:nvPicPr>
+          <p:cNvPr id="8" name="Picture 7">
+            <a:extLst>
+              <a:ext uri="{FF2B5EF4-FFF2-40B4-BE49-F238E27FC236}">
+                <a16:creationId xmlns:a16="http://schemas.microsoft.com/office/drawing/2014/main" id="{46740EF4-F08E-4ABD-9348-869A308536F9}"/>
+              </a:ext>
+            </a:extLst>
+          </p:cNvPr>
+          <p:cNvPicPr>
+            <a:picLocks noChangeAspect="1"/>
+          </p:cNvPicPr>
+          <p:nvPr/>
+        </p:nvPicPr>
+        <p:blipFill>
+          <a:blip r:embed="rId4"/>
+          <a:stretch>
+            <a:fillRect/>
+          </a:stretch>
+        </p:blipFill>
+        <p:spPr>
+          <a:xfrm>
+            <a:off x="6096000" y="1590391"/>
+            <a:ext cx="5114925" cy="2628900"/>
+          </a:xfrm>
+          <a:prstGeom prst="rect">
+            <a:avLst/>
+          </a:prstGeom>
+        </p:spPr>
+      </p:pic>
+      <p:sp>
+        <p:nvSpPr>
+          <p:cNvPr id="9" name="Content Placeholder 2">
+            <a:extLst>
+              <a:ext uri="{FF2B5EF4-FFF2-40B4-BE49-F238E27FC236}">
+                <a16:creationId xmlns:a16="http://schemas.microsoft.com/office/drawing/2014/main" id="{76BE2799-8C5E-4C85-9A9D-27D8E1FDA1F0}"/>
+              </a:ext>
+            </a:extLst>
+          </p:cNvPr>
+          <p:cNvSpPr>
+            <a:spLocks noGrp="1"/>
+          </p:cNvSpPr>
+          <p:nvPr>
+            <p:ph idx="1"/>
+          </p:nvPr>
+        </p:nvSpPr>
+        <p:spPr>
+          <a:xfrm>
+            <a:off x="6096000" y="4496499"/>
+            <a:ext cx="5066964" cy="1643434"/>
+          </a:xfrm>
+        </p:spPr>
+        <p:txBody>
+          <a:bodyPr>
+            <a:normAutofit/>
+          </a:bodyPr>
+          <a:lstStyle/>
+          <a:p>
+            <a:r>
+              <a:rPr lang="en-US" sz="2400" dirty="0"/>
+              <a:t>Only the .NET Core 2.0 runtime enforces some of the safety rules</a:t>
+            </a:r>
+          </a:p>
+          <a:p>
+            <a:r>
+              <a:rPr lang="en-US" sz="2400" dirty="0"/>
+              <a:t>C# 7.2 to have safety guaranteed by the compiler</a:t>
+            </a:r>
+          </a:p>
+        </p:txBody>
+      </p:sp>
+      <p:sp>
+        <p:nvSpPr>
+          <p:cNvPr id="3" name="Date Placeholder 2">
+            <a:extLst>
+              <a:ext uri="{FF2B5EF4-FFF2-40B4-BE49-F238E27FC236}">
+                <a16:creationId xmlns:a16="http://schemas.microsoft.com/office/drawing/2014/main" id="{8DAC0FB5-63EF-480B-866A-B57B8DA123EE}"/>
+              </a:ext>
+            </a:extLst>
+          </p:cNvPr>
+          <p:cNvSpPr>
+            <a:spLocks noGrp="1"/>
+          </p:cNvSpPr>
+          <p:nvPr>
+            <p:ph type="dt" sz="half" idx="10"/>
+          </p:nvPr>
+        </p:nvSpPr>
+        <p:spPr/>
+        <p:txBody>
+          <a:bodyPr/>
+          <a:lstStyle/>
+          <a:p>
+            <a:fld id="{A0E2EBFC-4385-4537-ADD8-26F5DEE4EC70}" type="datetime1">
+              <a:rPr lang="el-GR" smtClean="0"/>
+              <a:t>19/4/2018</a:t>
+            </a:fld>
+            <a:endParaRPr lang="el-GR"/>
+          </a:p>
+        </p:txBody>
+      </p:sp>
+      <p:sp>
+        <p:nvSpPr>
+          <p:cNvPr id="4" name="Footer Placeholder 3">
+            <a:extLst>
+              <a:ext uri="{FF2B5EF4-FFF2-40B4-BE49-F238E27FC236}">
+                <a16:creationId xmlns:a16="http://schemas.microsoft.com/office/drawing/2014/main" id="{AE4FB090-94C0-4CD3-B54A-7F80D990A5CF}"/>
+              </a:ext>
+            </a:extLst>
+          </p:cNvPr>
+          <p:cNvSpPr>
+            <a:spLocks noGrp="1"/>
+          </p:cNvSpPr>
+          <p:nvPr>
+            <p:ph type="ftr" sz="quarter" idx="11"/>
+          </p:nvPr>
+        </p:nvSpPr>
+        <p:spPr/>
+        <p:txBody>
+          <a:bodyPr/>
+          <a:lstStyle/>
+          <a:p>
+            <a:r>
+              <a:rPr lang="en-US"/>
+              <a:t>Span</a:t>
+            </a:r>
+            <a:endParaRPr lang="el-GR"/>
+          </a:p>
+        </p:txBody>
+      </p:sp>
+      <p:sp>
+        <p:nvSpPr>
+          <p:cNvPr id="5" name="Slide Number Placeholder 4">
+            <a:extLst>
+              <a:ext uri="{FF2B5EF4-FFF2-40B4-BE49-F238E27FC236}">
+                <a16:creationId xmlns:a16="http://schemas.microsoft.com/office/drawing/2014/main" id="{149CB885-0DCF-400B-A080-43E832BF337F}"/>
+              </a:ext>
+            </a:extLst>
+          </p:cNvPr>
+          <p:cNvSpPr>
+            <a:spLocks noGrp="1"/>
+          </p:cNvSpPr>
+          <p:nvPr>
+            <p:ph type="sldNum" sz="quarter" idx="12"/>
+          </p:nvPr>
+        </p:nvSpPr>
+        <p:spPr/>
+        <p:txBody>
+          <a:bodyPr/>
+          <a:lstStyle/>
+          <a:p>
+            <a:fld id="{0B720F5E-57F2-4440-9313-17831BB4E27A}" type="slidenum">
+              <a:rPr lang="el-GR" smtClean="0"/>
+              <a:t>11</a:t>
+            </a:fld>
+            <a:endParaRPr lang="el-GR"/>
+          </a:p>
+        </p:txBody>
+      </p:sp>
+      <p:pic>
+        <p:nvPicPr>
+          <p:cNvPr id="10" name="Picture 9">
+            <a:extLst>
+              <a:ext uri="{FF2B5EF4-FFF2-40B4-BE49-F238E27FC236}">
+                <a16:creationId xmlns:a16="http://schemas.microsoft.com/office/drawing/2014/main" id="{1DF28E1D-22F1-4E9B-A1D8-455EAF169147}"/>
+              </a:ext>
+            </a:extLst>
+          </p:cNvPr>
+          <p:cNvPicPr>
+            <a:picLocks noChangeAspect="1"/>
+          </p:cNvPicPr>
+          <p:nvPr/>
+        </p:nvPicPr>
+        <p:blipFill>
+          <a:blip r:embed="rId5">
+            <a:extLst>
+              <a:ext uri="{28A0092B-C50C-407E-A947-70E740481C1C}">
+                <a14:useLocalDpi xmlns:a14="http://schemas.microsoft.com/office/drawing/2010/main" val="0"/>
+              </a:ext>
+            </a:extLst>
+          </a:blip>
+          <a:stretch>
+            <a:fillRect/>
+          </a:stretch>
+        </p:blipFill>
+        <p:spPr>
+          <a:xfrm>
+            <a:off x="10322201" y="34131"/>
+            <a:ext cx="1684748" cy="646906"/>
+          </a:xfrm>
+          <a:prstGeom prst="rect">
+            <a:avLst/>
+          </a:prstGeom>
+        </p:spPr>
+      </p:pic>
+    </p:spTree>
+    <p:extLst>
+      <p:ext uri="{BB962C8B-B14F-4D97-AF65-F5344CB8AC3E}">
+        <p14:creationId xmlns:p14="http://schemas.microsoft.com/office/powerpoint/2010/main" val="1121898361"/>
+      </p:ext>
+    </p:extLst>
+  </p:cSld>
+  <p:clrMapOvr>
+    <a:masterClrMapping/>
+  </p:clrMapOvr>
+</p:sld>
+</file>
+
+<file path=ppt/slides/slide12.xml><?xml version="1.0" encoding="utf-8"?>
+<p:sld xmlns:a="http://schemas.openxmlformats.org/drawingml/2006/main" xmlns:r="http://schemas.openxmlformats.org/officeDocument/2006/relationships" xmlns:p="http://schemas.openxmlformats.org/presentationml/2006/main">
+  <p:cSld>
+    <p:spTree>
+      <p:nvGrpSpPr>
+        <p:cNvPr id="1" name=""/>
+        <p:cNvGrpSpPr/>
+        <p:nvPr/>
+      </p:nvGrpSpPr>
+      <p:grpSpPr>
+        <a:xfrm>
+          <a:off x="0" y="0"/>
+          <a:ext cx="0" cy="0"/>
+          <a:chOff x="0" y="0"/>
+          <a:chExt cx="0" cy="0"/>
+        </a:xfrm>
+      </p:grpSpPr>
+      <p:sp>
+        <p:nvSpPr>
+          <p:cNvPr id="2" name="Title 1">
+            <a:extLst>
+              <a:ext uri="{FF2B5EF4-FFF2-40B4-BE49-F238E27FC236}">
+                <a16:creationId xmlns:a16="http://schemas.microsoft.com/office/drawing/2014/main" id="{09F71980-6091-47C5-AA28-CF77E450CEF1}"/>
+              </a:ext>
+            </a:extLst>
+          </p:cNvPr>
+          <p:cNvSpPr>
+            <a:spLocks noGrp="1"/>
+          </p:cNvSpPr>
+          <p:nvPr>
+            <p:ph type="title"/>
+          </p:nvPr>
+        </p:nvSpPr>
+        <p:spPr/>
+        <p:txBody>
+          <a:bodyPr/>
+          <a:lstStyle/>
+          <a:p>
+            <a:r>
+              <a:rPr lang="en-US" b="1" dirty="0"/>
+              <a:t>Summary</a:t>
+            </a:r>
+            <a:endParaRPr lang="el-GR" b="1" dirty="0"/>
+          </a:p>
+        </p:txBody>
+      </p:sp>
+      <p:sp>
+        <p:nvSpPr>
+          <p:cNvPr id="3" name="Content Placeholder 2">
+            <a:extLst>
+              <a:ext uri="{FF2B5EF4-FFF2-40B4-BE49-F238E27FC236}">
+                <a16:creationId xmlns:a16="http://schemas.microsoft.com/office/drawing/2014/main" id="{54993B46-BEF5-4B6F-B66B-B948AACEAA86}"/>
+              </a:ext>
+            </a:extLst>
+          </p:cNvPr>
+          <p:cNvSpPr>
+            <a:spLocks noGrp="1"/>
+          </p:cNvSpPr>
+          <p:nvPr>
+            <p:ph idx="1"/>
+          </p:nvPr>
+        </p:nvSpPr>
+        <p:spPr/>
+        <p:txBody>
+          <a:bodyPr>
+            <a:normAutofit/>
+          </a:bodyPr>
+          <a:lstStyle/>
+          <a:p>
+            <a:pPr fontAlgn="base"/>
+            <a:r>
+              <a:rPr lang="en-US" dirty="0"/>
+              <a:t>Work with any type of memory</a:t>
+            </a:r>
+          </a:p>
+          <a:p>
+            <a:pPr fontAlgn="base"/>
+            <a:r>
+              <a:rPr lang="en-US" dirty="0"/>
+              <a:t>Work with native memory much easier</a:t>
+            </a:r>
+          </a:p>
+          <a:p>
+            <a:pPr fontAlgn="base"/>
+            <a:r>
+              <a:rPr lang="en-US" dirty="0"/>
+              <a:t>Avoid allocating and copying of memory with Slicing</a:t>
+            </a:r>
+          </a:p>
+          <a:p>
+            <a:pPr fontAlgn="base"/>
+            <a:r>
+              <a:rPr lang="en-US" dirty="0"/>
+              <a:t>Supports .NET Standard 1.0+</a:t>
+            </a:r>
+          </a:p>
+          <a:p>
+            <a:pPr fontAlgn="base"/>
+            <a:r>
+              <a:rPr lang="en-US" dirty="0"/>
+              <a:t>It’s performance is on par with Array for new runtimes.</a:t>
+            </a:r>
+          </a:p>
+          <a:p>
+            <a:pPr fontAlgn="base"/>
+            <a:r>
+              <a:rPr lang="en-US" dirty="0"/>
+              <a:t>It’s limited due to stack only requirements.</a:t>
+            </a:r>
+          </a:p>
+          <a:p>
+            <a:pPr fontAlgn="base"/>
+            <a:r>
+              <a:rPr lang="en-US" dirty="0"/>
+              <a:t>It’s not finished yet, we need C# 7.2 to have safety guaranteed by the compiler</a:t>
+            </a:r>
+          </a:p>
+          <a:p>
+            <a:endParaRPr lang="en-US" dirty="0"/>
+          </a:p>
+        </p:txBody>
+      </p:sp>
+      <p:sp>
+        <p:nvSpPr>
+          <p:cNvPr id="4" name="Date Placeholder 3">
+            <a:extLst>
+              <a:ext uri="{FF2B5EF4-FFF2-40B4-BE49-F238E27FC236}">
+                <a16:creationId xmlns:a16="http://schemas.microsoft.com/office/drawing/2014/main" id="{634F6BDD-E8D8-45E5-81F5-B7BABE041954}"/>
+              </a:ext>
+            </a:extLst>
+          </p:cNvPr>
+          <p:cNvSpPr>
+            <a:spLocks noGrp="1"/>
+          </p:cNvSpPr>
+          <p:nvPr>
+            <p:ph type="dt" sz="half" idx="10"/>
+          </p:nvPr>
+        </p:nvSpPr>
+        <p:spPr/>
+        <p:txBody>
+          <a:bodyPr/>
+          <a:lstStyle/>
+          <a:p>
+            <a:fld id="{31252080-0815-4EB6-A5A0-E5281F6D6392}" type="datetime1">
+              <a:rPr lang="el-GR" smtClean="0"/>
+              <a:t>19/4/2018</a:t>
+            </a:fld>
+            <a:endParaRPr lang="el-GR"/>
+          </a:p>
+        </p:txBody>
+      </p:sp>
+      <p:sp>
+        <p:nvSpPr>
+          <p:cNvPr id="5" name="Footer Placeholder 4">
+            <a:extLst>
+              <a:ext uri="{FF2B5EF4-FFF2-40B4-BE49-F238E27FC236}">
+                <a16:creationId xmlns:a16="http://schemas.microsoft.com/office/drawing/2014/main" id="{3B6C8A72-20AD-40BD-A023-BE3A6A43542C}"/>
+              </a:ext>
+            </a:extLst>
+          </p:cNvPr>
+          <p:cNvSpPr>
+            <a:spLocks noGrp="1"/>
+          </p:cNvSpPr>
+          <p:nvPr>
+            <p:ph type="ftr" sz="quarter" idx="11"/>
+          </p:nvPr>
+        </p:nvSpPr>
+        <p:spPr/>
+        <p:txBody>
+          <a:bodyPr/>
+          <a:lstStyle/>
+          <a:p>
+            <a:r>
+              <a:rPr lang="en-US"/>
+              <a:t>Span</a:t>
+            </a:r>
+            <a:endParaRPr lang="el-GR"/>
+          </a:p>
+        </p:txBody>
+      </p:sp>
+      <p:sp>
+        <p:nvSpPr>
+          <p:cNvPr id="6" name="Slide Number Placeholder 5">
+            <a:extLst>
+              <a:ext uri="{FF2B5EF4-FFF2-40B4-BE49-F238E27FC236}">
+                <a16:creationId xmlns:a16="http://schemas.microsoft.com/office/drawing/2014/main" id="{9B101D54-21E1-4248-A308-54EAA75427C4}"/>
+              </a:ext>
+            </a:extLst>
+          </p:cNvPr>
+          <p:cNvSpPr>
+            <a:spLocks noGrp="1"/>
+          </p:cNvSpPr>
+          <p:nvPr>
+            <p:ph type="sldNum" sz="quarter" idx="12"/>
+          </p:nvPr>
+        </p:nvSpPr>
+        <p:spPr/>
+        <p:txBody>
+          <a:bodyPr/>
+          <a:lstStyle/>
+          <a:p>
+            <a:fld id="{0B720F5E-57F2-4440-9313-17831BB4E27A}" type="slidenum">
+              <a:rPr lang="el-GR" smtClean="0"/>
+              <a:t>12</a:t>
+            </a:fld>
+            <a:endParaRPr lang="el-GR"/>
+          </a:p>
+        </p:txBody>
+      </p:sp>
+      <p:pic>
+        <p:nvPicPr>
+          <p:cNvPr id="7" name="Picture 6">
+            <a:extLst>
+              <a:ext uri="{FF2B5EF4-FFF2-40B4-BE49-F238E27FC236}">
+                <a16:creationId xmlns:a16="http://schemas.microsoft.com/office/drawing/2014/main" id="{B859DE1D-4065-472B-BA64-58725591FEA8}"/>
+              </a:ext>
+            </a:extLst>
+          </p:cNvPr>
+          <p:cNvPicPr>
+            <a:picLocks noChangeAspect="1"/>
+          </p:cNvPicPr>
+          <p:nvPr/>
+        </p:nvPicPr>
+        <p:blipFill>
+          <a:blip r:embed="rId2">
+            <a:extLst>
+              <a:ext uri="{28A0092B-C50C-407E-A947-70E740481C1C}">
+                <a14:useLocalDpi xmlns:a14="http://schemas.microsoft.com/office/drawing/2010/main" val="0"/>
+              </a:ext>
+            </a:extLst>
+          </a:blip>
+          <a:stretch>
+            <a:fillRect/>
+          </a:stretch>
+        </p:blipFill>
+        <p:spPr>
+          <a:xfrm>
+            <a:off x="10322201" y="34131"/>
+            <a:ext cx="1684748" cy="646906"/>
+          </a:xfrm>
+          <a:prstGeom prst="rect">
+            <a:avLst/>
+          </a:prstGeom>
+        </p:spPr>
+      </p:pic>
+    </p:spTree>
+    <p:extLst>
+      <p:ext uri="{BB962C8B-B14F-4D97-AF65-F5344CB8AC3E}">
+        <p14:creationId xmlns:p14="http://schemas.microsoft.com/office/powerpoint/2010/main" val="945648156"/>
+      </p:ext>
+    </p:extLst>
+  </p:cSld>
+  <p:clrMapOvr>
+    <a:masterClrMapping/>
+  </p:clrMapOvr>
+</p:sld>
+</file>
+
+<file path=ppt/slides/slide13.xml><?xml version="1.0" encoding="utf-8"?>
+<p:sld xmlns:a="http://schemas.openxmlformats.org/drawingml/2006/main" xmlns:r="http://schemas.openxmlformats.org/officeDocument/2006/relationships" xmlns:p="http://schemas.openxmlformats.org/presentationml/2006/main">
+  <p:cSld>
+    <p:spTree>
+      <p:nvGrpSpPr>
+        <p:cNvPr id="1" name=""/>
+        <p:cNvGrpSpPr/>
+        <p:nvPr/>
+      </p:nvGrpSpPr>
+      <p:grpSpPr>
+        <a:xfrm>
+          <a:off x="0" y="0"/>
+          <a:ext cx="0" cy="0"/>
+          <a:chOff x="0" y="0"/>
+          <a:chExt cx="0" cy="0"/>
+        </a:xfrm>
+      </p:grpSpPr>
+      <p:sp>
+        <p:nvSpPr>
+          <p:cNvPr id="2" name="Title 1">
+            <a:extLst>
+              <a:ext uri="{FF2B5EF4-FFF2-40B4-BE49-F238E27FC236}">
+                <a16:creationId xmlns:a16="http://schemas.microsoft.com/office/drawing/2014/main" id="{09F71980-6091-47C5-AA28-CF77E450CEF1}"/>
+              </a:ext>
+            </a:extLst>
+          </p:cNvPr>
+          <p:cNvSpPr>
+            <a:spLocks noGrp="1"/>
+          </p:cNvSpPr>
+          <p:nvPr>
+            <p:ph type="title"/>
+          </p:nvPr>
+        </p:nvSpPr>
+        <p:spPr/>
+        <p:txBody>
+          <a:bodyPr/>
+          <a:lstStyle/>
+          <a:p>
+            <a:r>
+              <a:rPr lang="en-US" b="1" dirty="0"/>
               <a:t>References</a:t>
             </a:r>
             <a:endParaRPr lang="el-GR" b="1" dirty="0"/>
@@ -3663,12 +4839,12 @@
           <a:p>
             <a:pPr fontAlgn="base"/>
             <a:r>
-              <a:rPr lang="en-US">
+              <a:rPr lang="en-US" dirty="0">
                 <a:hlinkClick r:id="rId4"/>
               </a:rPr>
               <a:t>https://github.com/dimdeli/span_lab</a:t>
             </a:r>
-            <a:endParaRPr lang="en-US"/>
+            <a:endParaRPr lang="en-US" dirty="0"/>
           </a:p>
           <a:p>
             <a:pPr fontAlgn="base"/>
@@ -3676,6 +4852,129 @@
           </a:p>
         </p:txBody>
       </p:sp>
+      <p:sp>
+        <p:nvSpPr>
+          <p:cNvPr id="4" name="Date Placeholder 3">
+            <a:extLst>
+              <a:ext uri="{FF2B5EF4-FFF2-40B4-BE49-F238E27FC236}">
+                <a16:creationId xmlns:a16="http://schemas.microsoft.com/office/drawing/2014/main" id="{0F5F3426-79AC-4434-AF90-DED4332BB4D9}"/>
+              </a:ext>
+            </a:extLst>
+          </p:cNvPr>
+          <p:cNvSpPr>
+            <a:spLocks noGrp="1"/>
+          </p:cNvSpPr>
+          <p:nvPr>
+            <p:ph type="dt" sz="half" idx="10"/>
+          </p:nvPr>
+        </p:nvSpPr>
+        <p:spPr/>
+        <p:txBody>
+          <a:bodyPr/>
+          <a:lstStyle/>
+          <a:p>
+            <a:fld id="{AB2BE244-B52A-480E-93E6-61466229D497}" type="datetime1">
+              <a:rPr lang="el-GR" smtClean="0"/>
+              <a:t>19/4/2018</a:t>
+            </a:fld>
+            <a:endParaRPr lang="el-GR"/>
+          </a:p>
+        </p:txBody>
+      </p:sp>
+      <p:sp>
+        <p:nvSpPr>
+          <p:cNvPr id="5" name="Footer Placeholder 4">
+            <a:extLst>
+              <a:ext uri="{FF2B5EF4-FFF2-40B4-BE49-F238E27FC236}">
+                <a16:creationId xmlns:a16="http://schemas.microsoft.com/office/drawing/2014/main" id="{886B0D2D-3FE6-4375-BE6A-380E22B53B2E}"/>
+              </a:ext>
+            </a:extLst>
+          </p:cNvPr>
+          <p:cNvSpPr>
+            <a:spLocks noGrp="1"/>
+          </p:cNvSpPr>
+          <p:nvPr>
+            <p:ph type="ftr" sz="quarter" idx="11"/>
+          </p:nvPr>
+        </p:nvSpPr>
+        <p:spPr/>
+        <p:txBody>
+          <a:bodyPr/>
+          <a:lstStyle/>
+          <a:p>
+            <a:r>
+              <a:rPr lang="en-US"/>
+              <a:t>Span</a:t>
+            </a:r>
+            <a:endParaRPr lang="el-GR"/>
+          </a:p>
+        </p:txBody>
+      </p:sp>
+      <p:sp>
+        <p:nvSpPr>
+          <p:cNvPr id="6" name="Slide Number Placeholder 5">
+            <a:extLst>
+              <a:ext uri="{FF2B5EF4-FFF2-40B4-BE49-F238E27FC236}">
+                <a16:creationId xmlns:a16="http://schemas.microsoft.com/office/drawing/2014/main" id="{BB85D30D-43C1-4796-8786-D812FA21B597}"/>
+              </a:ext>
+            </a:extLst>
+          </p:cNvPr>
+          <p:cNvSpPr>
+            <a:spLocks noGrp="1"/>
+          </p:cNvSpPr>
+          <p:nvPr>
+            <p:ph type="sldNum" sz="quarter" idx="12"/>
+          </p:nvPr>
+        </p:nvSpPr>
+        <p:spPr/>
+        <p:txBody>
+          <a:bodyPr/>
+          <a:lstStyle/>
+          <a:p>
+            <a:fld id="{0B720F5E-57F2-4440-9313-17831BB4E27A}" type="slidenum">
+              <a:rPr lang="el-GR" smtClean="0"/>
+              <a:t>13</a:t>
+            </a:fld>
+            <a:endParaRPr lang="el-GR"/>
+          </a:p>
+        </p:txBody>
+      </p:sp>
+      <p:pic>
+        <p:nvPicPr>
+          <p:cNvPr id="7" name="Picture 6">
+            <a:extLst>
+              <a:ext uri="{FF2B5EF4-FFF2-40B4-BE49-F238E27FC236}">
+                <a16:creationId xmlns:a16="http://schemas.microsoft.com/office/drawing/2014/main" id="{2B6FF40F-446C-4758-A413-0746F85E7230}"/>
+              </a:ext>
+            </a:extLst>
+          </p:cNvPr>
+          <p:cNvPicPr>
+            <a:picLocks noChangeAspect="1"/>
+          </p:cNvPicPr>
+          <p:nvPr/>
+        </p:nvPicPr>
+        <p:blipFill>
+          <a:blip r:embed="rId5">
+            <a:extLst>
+              <a:ext uri="{28A0092B-C50C-407E-A947-70E740481C1C}">
+                <a14:useLocalDpi xmlns:a14="http://schemas.microsoft.com/office/drawing/2010/main" val="0"/>
+              </a:ext>
+            </a:extLst>
+          </a:blip>
+          <a:stretch>
+            <a:fillRect/>
+          </a:stretch>
+        </p:blipFill>
+        <p:spPr>
+          <a:xfrm>
+            <a:off x="10322201" y="34131"/>
+            <a:ext cx="1684748" cy="646906"/>
+          </a:xfrm>
+          <a:prstGeom prst="rect">
+            <a:avLst/>
+          </a:prstGeom>
+        </p:spPr>
+      </p:pic>
     </p:spTree>
     <p:extLst>
       <p:ext uri="{BB962C8B-B14F-4D97-AF65-F5344CB8AC3E}">
@@ -3894,6 +5193,129 @@
           </a:p>
         </p:txBody>
       </p:sp>
+      <p:sp>
+        <p:nvSpPr>
+          <p:cNvPr id="4" name="Date Placeholder 3">
+            <a:extLst>
+              <a:ext uri="{FF2B5EF4-FFF2-40B4-BE49-F238E27FC236}">
+                <a16:creationId xmlns:a16="http://schemas.microsoft.com/office/drawing/2014/main" id="{814311A9-0D8B-443B-8034-BD5F75F4E251}"/>
+              </a:ext>
+            </a:extLst>
+          </p:cNvPr>
+          <p:cNvSpPr>
+            <a:spLocks noGrp="1"/>
+          </p:cNvSpPr>
+          <p:nvPr>
+            <p:ph type="dt" sz="half" idx="10"/>
+          </p:nvPr>
+        </p:nvSpPr>
+        <p:spPr/>
+        <p:txBody>
+          <a:bodyPr/>
+          <a:lstStyle/>
+          <a:p>
+            <a:fld id="{0E22CF9D-041B-4A11-BFE8-A2ED0EBD29CB}" type="datetime1">
+              <a:rPr lang="el-GR" smtClean="0"/>
+              <a:t>19/4/2018</a:t>
+            </a:fld>
+            <a:endParaRPr lang="el-GR"/>
+          </a:p>
+        </p:txBody>
+      </p:sp>
+      <p:sp>
+        <p:nvSpPr>
+          <p:cNvPr id="5" name="Footer Placeholder 4">
+            <a:extLst>
+              <a:ext uri="{FF2B5EF4-FFF2-40B4-BE49-F238E27FC236}">
+                <a16:creationId xmlns:a16="http://schemas.microsoft.com/office/drawing/2014/main" id="{C4321911-51CA-4AC1-ADC8-1C06811247B5}"/>
+              </a:ext>
+            </a:extLst>
+          </p:cNvPr>
+          <p:cNvSpPr>
+            <a:spLocks noGrp="1"/>
+          </p:cNvSpPr>
+          <p:nvPr>
+            <p:ph type="ftr" sz="quarter" idx="11"/>
+          </p:nvPr>
+        </p:nvSpPr>
+        <p:spPr/>
+        <p:txBody>
+          <a:bodyPr/>
+          <a:lstStyle/>
+          <a:p>
+            <a:r>
+              <a:rPr lang="en-US"/>
+              <a:t>Span</a:t>
+            </a:r>
+            <a:endParaRPr lang="el-GR"/>
+          </a:p>
+        </p:txBody>
+      </p:sp>
+      <p:sp>
+        <p:nvSpPr>
+          <p:cNvPr id="6" name="Slide Number Placeholder 5">
+            <a:extLst>
+              <a:ext uri="{FF2B5EF4-FFF2-40B4-BE49-F238E27FC236}">
+                <a16:creationId xmlns:a16="http://schemas.microsoft.com/office/drawing/2014/main" id="{EF49493F-0B17-4419-8465-965222A24ADB}"/>
+              </a:ext>
+            </a:extLst>
+          </p:cNvPr>
+          <p:cNvSpPr>
+            <a:spLocks noGrp="1"/>
+          </p:cNvSpPr>
+          <p:nvPr>
+            <p:ph type="sldNum" sz="quarter" idx="12"/>
+          </p:nvPr>
+        </p:nvSpPr>
+        <p:spPr/>
+        <p:txBody>
+          <a:bodyPr/>
+          <a:lstStyle/>
+          <a:p>
+            <a:fld id="{0B720F5E-57F2-4440-9313-17831BB4E27A}" type="slidenum">
+              <a:rPr lang="el-GR" smtClean="0"/>
+              <a:t>2</a:t>
+            </a:fld>
+            <a:endParaRPr lang="el-GR" dirty="0"/>
+          </a:p>
+        </p:txBody>
+      </p:sp>
+      <p:pic>
+        <p:nvPicPr>
+          <p:cNvPr id="8" name="Picture 7">
+            <a:extLst>
+              <a:ext uri="{FF2B5EF4-FFF2-40B4-BE49-F238E27FC236}">
+                <a16:creationId xmlns:a16="http://schemas.microsoft.com/office/drawing/2014/main" id="{B7073C26-1249-4D0C-953C-AEF0046DC80B}"/>
+              </a:ext>
+            </a:extLst>
+          </p:cNvPr>
+          <p:cNvPicPr>
+            <a:picLocks noChangeAspect="1"/>
+          </p:cNvPicPr>
+          <p:nvPr/>
+        </p:nvPicPr>
+        <p:blipFill>
+          <a:blip r:embed="rId2">
+            <a:extLst>
+              <a:ext uri="{28A0092B-C50C-407E-A947-70E740481C1C}">
+                <a14:useLocalDpi xmlns:a14="http://schemas.microsoft.com/office/drawing/2010/main" val="0"/>
+              </a:ext>
+            </a:extLst>
+          </a:blip>
+          <a:stretch>
+            <a:fillRect/>
+          </a:stretch>
+        </p:blipFill>
+        <p:spPr>
+          <a:xfrm>
+            <a:off x="10322201" y="34131"/>
+            <a:ext cx="1684748" cy="646906"/>
+          </a:xfrm>
+          <a:prstGeom prst="rect">
+            <a:avLst/>
+          </a:prstGeom>
+        </p:spPr>
+      </p:pic>
     </p:spTree>
     <p:extLst>
       <p:ext uri="{BB962C8B-B14F-4D97-AF65-F5344CB8AC3E}">
@@ -3947,7 +5369,7 @@
           <a:p>
             <a:r>
               <a:rPr lang="en-US" b="1" dirty="0"/>
-              <a:t>Stack</a:t>
+              <a:t>Code Analysis</a:t>
             </a:r>
             <a:endParaRPr lang="el-GR" b="1" dirty="0"/>
           </a:p>
@@ -3955,10 +5377,10 @@
       </p:sp>
       <p:pic>
         <p:nvPicPr>
-          <p:cNvPr id="12" name="Picture 11">
-            <a:extLst>
-              <a:ext uri="{FF2B5EF4-FFF2-40B4-BE49-F238E27FC236}">
-                <a16:creationId xmlns:a16="http://schemas.microsoft.com/office/drawing/2014/main" id="{77A7A9FE-F5F3-48D4-89BD-09081BDBBFFB}"/>
+          <p:cNvPr id="3" name="Picture 2">
+            <a:extLst>
+              <a:ext uri="{FF2B5EF4-FFF2-40B4-BE49-F238E27FC236}">
+                <a16:creationId xmlns:a16="http://schemas.microsoft.com/office/drawing/2014/main" id="{0C73DD51-AB41-4D64-94D1-63EF8F143FA0}"/>
               </a:ext>
             </a:extLst>
           </p:cNvPr>
@@ -3975,8 +5397,131 @@
         </p:blipFill>
         <p:spPr>
           <a:xfrm>
-            <a:off x="908270" y="1690688"/>
-            <a:ext cx="5924550" cy="3362325"/>
+            <a:off x="1833976" y="1634366"/>
+            <a:ext cx="6562725" cy="4819650"/>
+          </a:xfrm>
+          <a:prstGeom prst="rect">
+            <a:avLst/>
+          </a:prstGeom>
+        </p:spPr>
+      </p:pic>
+      <p:sp>
+        <p:nvSpPr>
+          <p:cNvPr id="4" name="Date Placeholder 3">
+            <a:extLst>
+              <a:ext uri="{FF2B5EF4-FFF2-40B4-BE49-F238E27FC236}">
+                <a16:creationId xmlns:a16="http://schemas.microsoft.com/office/drawing/2014/main" id="{ECAD3A66-1B6B-4FD7-B010-B570FE89BC8A}"/>
+              </a:ext>
+            </a:extLst>
+          </p:cNvPr>
+          <p:cNvSpPr>
+            <a:spLocks noGrp="1"/>
+          </p:cNvSpPr>
+          <p:nvPr>
+            <p:ph type="dt" sz="half" idx="10"/>
+          </p:nvPr>
+        </p:nvSpPr>
+        <p:spPr/>
+        <p:txBody>
+          <a:bodyPr/>
+          <a:lstStyle/>
+          <a:p>
+            <a:fld id="{4D22D921-A25A-4912-BBD9-AE96AD925DEE}" type="datetime1">
+              <a:rPr lang="el-GR" smtClean="0"/>
+              <a:t>19/4/2018</a:t>
+            </a:fld>
+            <a:endParaRPr lang="el-GR"/>
+          </a:p>
+        </p:txBody>
+      </p:sp>
+      <p:sp>
+        <p:nvSpPr>
+          <p:cNvPr id="5" name="Footer Placeholder 4">
+            <a:extLst>
+              <a:ext uri="{FF2B5EF4-FFF2-40B4-BE49-F238E27FC236}">
+                <a16:creationId xmlns:a16="http://schemas.microsoft.com/office/drawing/2014/main" id="{B21DA5D1-EB2A-429B-916C-356608CD49D6}"/>
+              </a:ext>
+            </a:extLst>
+          </p:cNvPr>
+          <p:cNvSpPr>
+            <a:spLocks noGrp="1"/>
+          </p:cNvSpPr>
+          <p:nvPr>
+            <p:ph type="ftr" sz="quarter" idx="11"/>
+          </p:nvPr>
+        </p:nvSpPr>
+        <p:spPr/>
+        <p:txBody>
+          <a:bodyPr/>
+          <a:lstStyle/>
+          <a:p>
+            <a:r>
+              <a:rPr lang="en-US"/>
+              <a:t>Span</a:t>
+            </a:r>
+            <a:endParaRPr lang="el-GR"/>
+          </a:p>
+        </p:txBody>
+      </p:sp>
+      <p:sp>
+        <p:nvSpPr>
+          <p:cNvPr id="6" name="Slide Number Placeholder 5">
+            <a:extLst>
+              <a:ext uri="{FF2B5EF4-FFF2-40B4-BE49-F238E27FC236}">
+                <a16:creationId xmlns:a16="http://schemas.microsoft.com/office/drawing/2014/main" id="{1914E380-CEBE-468E-A8F8-26709CB7E8FC}"/>
+              </a:ext>
+            </a:extLst>
+          </p:cNvPr>
+          <p:cNvSpPr>
+            <a:spLocks noGrp="1"/>
+          </p:cNvSpPr>
+          <p:nvPr>
+            <p:ph type="sldNum" sz="quarter" idx="12"/>
+          </p:nvPr>
+        </p:nvSpPr>
+        <p:spPr/>
+        <p:txBody>
+          <a:bodyPr/>
+          <a:lstStyle/>
+          <a:p>
+            <a:fld id="{0B720F5E-57F2-4440-9313-17831BB4E27A}" type="slidenum">
+              <a:rPr lang="el-GR" smtClean="0"/>
+              <a:t>3</a:t>
+            </a:fld>
+            <a:endParaRPr lang="el-GR"/>
+          </a:p>
+        </p:txBody>
+      </p:sp>
+      <p:pic>
+        <p:nvPicPr>
+          <p:cNvPr id="8" name="Picture 7">
+            <a:extLst>
+              <a:ext uri="{FF2B5EF4-FFF2-40B4-BE49-F238E27FC236}">
+                <a16:creationId xmlns:a16="http://schemas.microsoft.com/office/drawing/2014/main" id="{7DC1E05F-95A3-4E8F-B074-FCA60C57C3BB}"/>
+              </a:ext>
+            </a:extLst>
+          </p:cNvPr>
+          <p:cNvPicPr>
+            <a:picLocks noChangeAspect="1"/>
+          </p:cNvPicPr>
+          <p:nvPr/>
+        </p:nvPicPr>
+        <p:blipFill>
+          <a:blip r:embed="rId3">
+            <a:extLst>
+              <a:ext uri="{28A0092B-C50C-407E-A947-70E740481C1C}">
+                <a14:useLocalDpi xmlns:a14="http://schemas.microsoft.com/office/drawing/2010/main" val="0"/>
+              </a:ext>
+            </a:extLst>
+          </a:blip>
+          <a:stretch>
+            <a:fillRect/>
+          </a:stretch>
+        </p:blipFill>
+        <p:spPr>
+          <a:xfrm>
+            <a:off x="10322201" y="34131"/>
+            <a:ext cx="1684748" cy="646906"/>
           </a:xfrm>
           <a:prstGeom prst="rect">
             <a:avLst/>
@@ -3986,7 +5531,7 @@
     </p:spTree>
     <p:extLst>
       <p:ext uri="{BB962C8B-B14F-4D97-AF65-F5344CB8AC3E}">
-        <p14:creationId xmlns:p14="http://schemas.microsoft.com/office/powerpoint/2010/main" val="2627948454"/>
+        <p14:creationId xmlns:p14="http://schemas.microsoft.com/office/powerpoint/2010/main" val="1277336140"/>
       </p:ext>
     </p:extLst>
   </p:cSld>
@@ -4036,7 +5581,7 @@
           <a:p>
             <a:r>
               <a:rPr lang="en-US" b="1" dirty="0"/>
-              <a:t>Heap</a:t>
+              <a:t>Stack</a:t>
             </a:r>
             <a:endParaRPr lang="el-GR" b="1" dirty="0"/>
           </a:p>
@@ -4044,10 +5589,10 @@
       </p:sp>
       <p:pic>
         <p:nvPicPr>
-          <p:cNvPr id="13" name="Picture 12">
-            <a:extLst>
-              <a:ext uri="{FF2B5EF4-FFF2-40B4-BE49-F238E27FC236}">
-                <a16:creationId xmlns:a16="http://schemas.microsoft.com/office/drawing/2014/main" id="{3E1CE4C5-B6C4-49D5-9D31-15449DA275D9}"/>
+          <p:cNvPr id="12" name="Picture 11">
+            <a:extLst>
+              <a:ext uri="{FF2B5EF4-FFF2-40B4-BE49-F238E27FC236}">
+                <a16:creationId xmlns:a16="http://schemas.microsoft.com/office/drawing/2014/main" id="{77A7A9FE-F5F3-48D4-89BD-09081BDBBFFB}"/>
               </a:ext>
             </a:extLst>
           </p:cNvPr>
@@ -4064,8 +5609,131 @@
         </p:blipFill>
         <p:spPr>
           <a:xfrm>
-            <a:off x="838200" y="1443168"/>
-            <a:ext cx="6257925" cy="2914650"/>
+            <a:off x="908270" y="1690688"/>
+            <a:ext cx="5924550" cy="3362325"/>
+          </a:xfrm>
+          <a:prstGeom prst="rect">
+            <a:avLst/>
+          </a:prstGeom>
+        </p:spPr>
+      </p:pic>
+      <p:sp>
+        <p:nvSpPr>
+          <p:cNvPr id="3" name="Date Placeholder 2">
+            <a:extLst>
+              <a:ext uri="{FF2B5EF4-FFF2-40B4-BE49-F238E27FC236}">
+                <a16:creationId xmlns:a16="http://schemas.microsoft.com/office/drawing/2014/main" id="{17895125-B33D-4B45-8304-8B76EC894F61}"/>
+              </a:ext>
+            </a:extLst>
+          </p:cNvPr>
+          <p:cNvSpPr>
+            <a:spLocks noGrp="1"/>
+          </p:cNvSpPr>
+          <p:nvPr>
+            <p:ph type="dt" sz="half" idx="10"/>
+          </p:nvPr>
+        </p:nvSpPr>
+        <p:spPr/>
+        <p:txBody>
+          <a:bodyPr/>
+          <a:lstStyle/>
+          <a:p>
+            <a:fld id="{5D7D9477-750A-402E-979D-BB48508CE1A5}" type="datetime1">
+              <a:rPr lang="el-GR" smtClean="0"/>
+              <a:t>19/4/2018</a:t>
+            </a:fld>
+            <a:endParaRPr lang="el-GR"/>
+          </a:p>
+        </p:txBody>
+      </p:sp>
+      <p:sp>
+        <p:nvSpPr>
+          <p:cNvPr id="4" name="Footer Placeholder 3">
+            <a:extLst>
+              <a:ext uri="{FF2B5EF4-FFF2-40B4-BE49-F238E27FC236}">
+                <a16:creationId xmlns:a16="http://schemas.microsoft.com/office/drawing/2014/main" id="{503D4AD0-F953-4442-BCB6-E81BEB476AA0}"/>
+              </a:ext>
+            </a:extLst>
+          </p:cNvPr>
+          <p:cNvSpPr>
+            <a:spLocks noGrp="1"/>
+          </p:cNvSpPr>
+          <p:nvPr>
+            <p:ph type="ftr" sz="quarter" idx="11"/>
+          </p:nvPr>
+        </p:nvSpPr>
+        <p:spPr/>
+        <p:txBody>
+          <a:bodyPr/>
+          <a:lstStyle/>
+          <a:p>
+            <a:r>
+              <a:rPr lang="en-US"/>
+              <a:t>Span</a:t>
+            </a:r>
+            <a:endParaRPr lang="el-GR"/>
+          </a:p>
+        </p:txBody>
+      </p:sp>
+      <p:sp>
+        <p:nvSpPr>
+          <p:cNvPr id="5" name="Slide Number Placeholder 4">
+            <a:extLst>
+              <a:ext uri="{FF2B5EF4-FFF2-40B4-BE49-F238E27FC236}">
+                <a16:creationId xmlns:a16="http://schemas.microsoft.com/office/drawing/2014/main" id="{FBD38870-1C12-4FEF-910E-7B8C0CCA3CEA}"/>
+              </a:ext>
+            </a:extLst>
+          </p:cNvPr>
+          <p:cNvSpPr>
+            <a:spLocks noGrp="1"/>
+          </p:cNvSpPr>
+          <p:nvPr>
+            <p:ph type="sldNum" sz="quarter" idx="12"/>
+          </p:nvPr>
+        </p:nvSpPr>
+        <p:spPr/>
+        <p:txBody>
+          <a:bodyPr/>
+          <a:lstStyle/>
+          <a:p>
+            <a:fld id="{0B720F5E-57F2-4440-9313-17831BB4E27A}" type="slidenum">
+              <a:rPr lang="el-GR" smtClean="0"/>
+              <a:t>4</a:t>
+            </a:fld>
+            <a:endParaRPr lang="el-GR"/>
+          </a:p>
+        </p:txBody>
+      </p:sp>
+      <p:pic>
+        <p:nvPicPr>
+          <p:cNvPr id="7" name="Picture 6">
+            <a:extLst>
+              <a:ext uri="{FF2B5EF4-FFF2-40B4-BE49-F238E27FC236}">
+                <a16:creationId xmlns:a16="http://schemas.microsoft.com/office/drawing/2014/main" id="{7F05D284-5A00-4267-A357-6A921BCC03EE}"/>
+              </a:ext>
+            </a:extLst>
+          </p:cNvPr>
+          <p:cNvPicPr>
+            <a:picLocks noChangeAspect="1"/>
+          </p:cNvPicPr>
+          <p:nvPr/>
+        </p:nvPicPr>
+        <p:blipFill>
+          <a:blip r:embed="rId3">
+            <a:extLst>
+              <a:ext uri="{28A0092B-C50C-407E-A947-70E740481C1C}">
+                <a14:useLocalDpi xmlns:a14="http://schemas.microsoft.com/office/drawing/2010/main" val="0"/>
+              </a:ext>
+            </a:extLst>
+          </a:blip>
+          <a:stretch>
+            <a:fillRect/>
+          </a:stretch>
+        </p:blipFill>
+        <p:spPr>
+          <a:xfrm>
+            <a:off x="10322201" y="34131"/>
+            <a:ext cx="1684748" cy="646906"/>
           </a:xfrm>
           <a:prstGeom prst="rect">
             <a:avLst/>
@@ -4075,7 +5743,7 @@
     </p:spTree>
     <p:extLst>
       <p:ext uri="{BB962C8B-B14F-4D97-AF65-F5344CB8AC3E}">
-        <p14:creationId xmlns:p14="http://schemas.microsoft.com/office/powerpoint/2010/main" val="2942957889"/>
+        <p14:creationId xmlns:p14="http://schemas.microsoft.com/office/powerpoint/2010/main" val="2627948454"/>
       </p:ext>
     </p:extLst>
   </p:cSld>
@@ -4125,7 +5793,7 @@
           <a:p>
             <a:r>
               <a:rPr lang="en-US" b="1" dirty="0"/>
-              <a:t>Stack vs Heap</a:t>
+              <a:t>Heap</a:t>
             </a:r>
             <a:endParaRPr lang="el-GR" b="1" dirty="0"/>
           </a:p>
@@ -4133,10 +5801,10 @@
       </p:sp>
       <p:pic>
         <p:nvPicPr>
-          <p:cNvPr id="11" name="Picture 10">
-            <a:extLst>
-              <a:ext uri="{FF2B5EF4-FFF2-40B4-BE49-F238E27FC236}">
-                <a16:creationId xmlns:a16="http://schemas.microsoft.com/office/drawing/2014/main" id="{C2CC1DD1-DA00-4931-A6A3-B8E4421E0313}"/>
+          <p:cNvPr id="13" name="Picture 12">
+            <a:extLst>
+              <a:ext uri="{FF2B5EF4-FFF2-40B4-BE49-F238E27FC236}">
+                <a16:creationId xmlns:a16="http://schemas.microsoft.com/office/drawing/2014/main" id="{3E1CE4C5-B6C4-49D5-9D31-15449DA275D9}"/>
               </a:ext>
             </a:extLst>
           </p:cNvPr>
@@ -4153,8 +5821,131 @@
         </p:blipFill>
         <p:spPr>
           <a:xfrm>
-            <a:off x="929842" y="1621703"/>
-            <a:ext cx="8429625" cy="1933575"/>
+            <a:off x="838200" y="1443168"/>
+            <a:ext cx="6257925" cy="2914650"/>
+          </a:xfrm>
+          <a:prstGeom prst="rect">
+            <a:avLst/>
+          </a:prstGeom>
+        </p:spPr>
+      </p:pic>
+      <p:sp>
+        <p:nvSpPr>
+          <p:cNvPr id="3" name="Date Placeholder 2">
+            <a:extLst>
+              <a:ext uri="{FF2B5EF4-FFF2-40B4-BE49-F238E27FC236}">
+                <a16:creationId xmlns:a16="http://schemas.microsoft.com/office/drawing/2014/main" id="{1B4A87F8-F1AA-4FCA-A6E7-8B26F6FF931F}"/>
+              </a:ext>
+            </a:extLst>
+          </p:cNvPr>
+          <p:cNvSpPr>
+            <a:spLocks noGrp="1"/>
+          </p:cNvSpPr>
+          <p:nvPr>
+            <p:ph type="dt" sz="half" idx="10"/>
+          </p:nvPr>
+        </p:nvSpPr>
+        <p:spPr/>
+        <p:txBody>
+          <a:bodyPr/>
+          <a:lstStyle/>
+          <a:p>
+            <a:fld id="{6C01340F-BE85-4961-B209-69C2B5BBACA6}" type="datetime1">
+              <a:rPr lang="el-GR" smtClean="0"/>
+              <a:t>19/4/2018</a:t>
+            </a:fld>
+            <a:endParaRPr lang="el-GR"/>
+          </a:p>
+        </p:txBody>
+      </p:sp>
+      <p:sp>
+        <p:nvSpPr>
+          <p:cNvPr id="4" name="Footer Placeholder 3">
+            <a:extLst>
+              <a:ext uri="{FF2B5EF4-FFF2-40B4-BE49-F238E27FC236}">
+                <a16:creationId xmlns:a16="http://schemas.microsoft.com/office/drawing/2014/main" id="{2B1392EC-2B99-4914-BE55-894E0D765C37}"/>
+              </a:ext>
+            </a:extLst>
+          </p:cNvPr>
+          <p:cNvSpPr>
+            <a:spLocks noGrp="1"/>
+          </p:cNvSpPr>
+          <p:nvPr>
+            <p:ph type="ftr" sz="quarter" idx="11"/>
+          </p:nvPr>
+        </p:nvSpPr>
+        <p:spPr/>
+        <p:txBody>
+          <a:bodyPr/>
+          <a:lstStyle/>
+          <a:p>
+            <a:r>
+              <a:rPr lang="en-US"/>
+              <a:t>Span</a:t>
+            </a:r>
+            <a:endParaRPr lang="el-GR"/>
+          </a:p>
+        </p:txBody>
+      </p:sp>
+      <p:sp>
+        <p:nvSpPr>
+          <p:cNvPr id="5" name="Slide Number Placeholder 4">
+            <a:extLst>
+              <a:ext uri="{FF2B5EF4-FFF2-40B4-BE49-F238E27FC236}">
+                <a16:creationId xmlns:a16="http://schemas.microsoft.com/office/drawing/2014/main" id="{7EBEE255-65CE-48D7-8C46-DC09542B79BB}"/>
+              </a:ext>
+            </a:extLst>
+          </p:cNvPr>
+          <p:cNvSpPr>
+            <a:spLocks noGrp="1"/>
+          </p:cNvSpPr>
+          <p:nvPr>
+            <p:ph type="sldNum" sz="quarter" idx="12"/>
+          </p:nvPr>
+        </p:nvSpPr>
+        <p:spPr/>
+        <p:txBody>
+          <a:bodyPr/>
+          <a:lstStyle/>
+          <a:p>
+            <a:fld id="{0B720F5E-57F2-4440-9313-17831BB4E27A}" type="slidenum">
+              <a:rPr lang="el-GR" smtClean="0"/>
+              <a:t>5</a:t>
+            </a:fld>
+            <a:endParaRPr lang="el-GR"/>
+          </a:p>
+        </p:txBody>
+      </p:sp>
+      <p:pic>
+        <p:nvPicPr>
+          <p:cNvPr id="7" name="Picture 6">
+            <a:extLst>
+              <a:ext uri="{FF2B5EF4-FFF2-40B4-BE49-F238E27FC236}">
+                <a16:creationId xmlns:a16="http://schemas.microsoft.com/office/drawing/2014/main" id="{F14FF9D3-903E-4720-A505-4F6870637572}"/>
+              </a:ext>
+            </a:extLst>
+          </p:cNvPr>
+          <p:cNvPicPr>
+            <a:picLocks noChangeAspect="1"/>
+          </p:cNvPicPr>
+          <p:nvPr/>
+        </p:nvPicPr>
+        <p:blipFill>
+          <a:blip r:embed="rId3">
+            <a:extLst>
+              <a:ext uri="{28A0092B-C50C-407E-A947-70E740481C1C}">
+                <a14:useLocalDpi xmlns:a14="http://schemas.microsoft.com/office/drawing/2010/main" val="0"/>
+              </a:ext>
+            </a:extLst>
+          </a:blip>
+          <a:stretch>
+            <a:fillRect/>
+          </a:stretch>
+        </p:blipFill>
+        <p:spPr>
+          <a:xfrm>
+            <a:off x="10322201" y="34131"/>
+            <a:ext cx="1684748" cy="646906"/>
           </a:xfrm>
           <a:prstGeom prst="rect">
             <a:avLst/>
@@ -4164,7 +5955,7 @@
     </p:spTree>
     <p:extLst>
       <p:ext uri="{BB962C8B-B14F-4D97-AF65-F5344CB8AC3E}">
-        <p14:creationId xmlns:p14="http://schemas.microsoft.com/office/powerpoint/2010/main" val="1182281702"/>
+        <p14:creationId xmlns:p14="http://schemas.microsoft.com/office/powerpoint/2010/main" val="2942957889"/>
       </p:ext>
     </p:extLst>
   </p:cSld>
@@ -4214,63 +6005,18 @@
           <a:p>
             <a:r>
               <a:rPr lang="en-US" b="1" dirty="0"/>
-              <a:t>Span&lt;T&gt;</a:t>
+              <a:t>Stack vs Heap</a:t>
             </a:r>
             <a:endParaRPr lang="el-GR" b="1" dirty="0"/>
-          </a:p>
-        </p:txBody>
-      </p:sp>
-      <p:sp>
-        <p:nvSpPr>
-          <p:cNvPr id="3" name="Content Placeholder 2">
-            <a:extLst>
-              <a:ext uri="{FF2B5EF4-FFF2-40B4-BE49-F238E27FC236}">
-                <a16:creationId xmlns:a16="http://schemas.microsoft.com/office/drawing/2014/main" id="{54993B46-BEF5-4B6F-B66B-B948AACEAA86}"/>
-              </a:ext>
-            </a:extLst>
-          </p:cNvPr>
-          <p:cNvSpPr>
-            <a:spLocks noGrp="1"/>
-          </p:cNvSpPr>
-          <p:nvPr>
-            <p:ph idx="1"/>
-          </p:nvPr>
-        </p:nvSpPr>
-        <p:spPr>
-          <a:xfrm>
-            <a:off x="838200" y="1825625"/>
-            <a:ext cx="10515600" cy="1186023"/>
-          </a:xfrm>
-        </p:spPr>
-        <p:txBody>
-          <a:bodyPr/>
-          <a:lstStyle/>
-          <a:p>
-            <a:r>
-              <a:rPr lang="en-US" dirty="0"/>
-              <a:t>Is an value type abstraction over all types of memory available to .NET </a:t>
-            </a:r>
-          </a:p>
-          <a:p>
-            <a:r>
-              <a:rPr lang="en-US" dirty="0"/>
-              <a:t>Ensures memory and type safety and has almost no overhead</a:t>
-            </a:r>
-          </a:p>
-          <a:p>
-            <a:endParaRPr lang="en-US" dirty="0"/>
-          </a:p>
-          <a:p>
-            <a:endParaRPr lang="el-GR" dirty="0"/>
           </a:p>
         </p:txBody>
       </p:sp>
       <p:pic>
         <p:nvPicPr>
-          <p:cNvPr id="4" name="Picture 3">
-            <a:extLst>
-              <a:ext uri="{FF2B5EF4-FFF2-40B4-BE49-F238E27FC236}">
-                <a16:creationId xmlns:a16="http://schemas.microsoft.com/office/drawing/2014/main" id="{B4847F2A-CD59-4D6C-BCEA-99B4D0B90C96}"/>
+          <p:cNvPr id="11" name="Picture 10">
+            <a:extLst>
+              <a:ext uri="{FF2B5EF4-FFF2-40B4-BE49-F238E27FC236}">
+                <a16:creationId xmlns:a16="http://schemas.microsoft.com/office/drawing/2014/main" id="{C2CC1DD1-DA00-4931-A6A3-B8E4421E0313}"/>
               </a:ext>
             </a:extLst>
           </p:cNvPr>
@@ -4287,8 +6033,131 @@
         </p:blipFill>
         <p:spPr>
           <a:xfrm>
-            <a:off x="838200" y="3011648"/>
-            <a:ext cx="4772025" cy="3076575"/>
+            <a:off x="929842" y="1621703"/>
+            <a:ext cx="8429625" cy="1933575"/>
+          </a:xfrm>
+          <a:prstGeom prst="rect">
+            <a:avLst/>
+          </a:prstGeom>
+        </p:spPr>
+      </p:pic>
+      <p:sp>
+        <p:nvSpPr>
+          <p:cNvPr id="3" name="Date Placeholder 2">
+            <a:extLst>
+              <a:ext uri="{FF2B5EF4-FFF2-40B4-BE49-F238E27FC236}">
+                <a16:creationId xmlns:a16="http://schemas.microsoft.com/office/drawing/2014/main" id="{C87C3162-7817-45CA-81EA-9A4550A756E8}"/>
+              </a:ext>
+            </a:extLst>
+          </p:cNvPr>
+          <p:cNvSpPr>
+            <a:spLocks noGrp="1"/>
+          </p:cNvSpPr>
+          <p:nvPr>
+            <p:ph type="dt" sz="half" idx="10"/>
+          </p:nvPr>
+        </p:nvSpPr>
+        <p:spPr/>
+        <p:txBody>
+          <a:bodyPr/>
+          <a:lstStyle/>
+          <a:p>
+            <a:fld id="{ECA638C3-F175-4111-9942-C4BF160B028F}" type="datetime1">
+              <a:rPr lang="el-GR" smtClean="0"/>
+              <a:t>19/4/2018</a:t>
+            </a:fld>
+            <a:endParaRPr lang="el-GR"/>
+          </a:p>
+        </p:txBody>
+      </p:sp>
+      <p:sp>
+        <p:nvSpPr>
+          <p:cNvPr id="4" name="Footer Placeholder 3">
+            <a:extLst>
+              <a:ext uri="{FF2B5EF4-FFF2-40B4-BE49-F238E27FC236}">
+                <a16:creationId xmlns:a16="http://schemas.microsoft.com/office/drawing/2014/main" id="{9AF8CDC9-E90B-402E-8D1A-5DB539A8B594}"/>
+              </a:ext>
+            </a:extLst>
+          </p:cNvPr>
+          <p:cNvSpPr>
+            <a:spLocks noGrp="1"/>
+          </p:cNvSpPr>
+          <p:nvPr>
+            <p:ph type="ftr" sz="quarter" idx="11"/>
+          </p:nvPr>
+        </p:nvSpPr>
+        <p:spPr/>
+        <p:txBody>
+          <a:bodyPr/>
+          <a:lstStyle/>
+          <a:p>
+            <a:r>
+              <a:rPr lang="en-US"/>
+              <a:t>Span</a:t>
+            </a:r>
+            <a:endParaRPr lang="el-GR"/>
+          </a:p>
+        </p:txBody>
+      </p:sp>
+      <p:sp>
+        <p:nvSpPr>
+          <p:cNvPr id="5" name="Slide Number Placeholder 4">
+            <a:extLst>
+              <a:ext uri="{FF2B5EF4-FFF2-40B4-BE49-F238E27FC236}">
+                <a16:creationId xmlns:a16="http://schemas.microsoft.com/office/drawing/2014/main" id="{DBF74377-AEC6-4CB4-8A1D-2616165C9832}"/>
+              </a:ext>
+            </a:extLst>
+          </p:cNvPr>
+          <p:cNvSpPr>
+            <a:spLocks noGrp="1"/>
+          </p:cNvSpPr>
+          <p:nvPr>
+            <p:ph type="sldNum" sz="quarter" idx="12"/>
+          </p:nvPr>
+        </p:nvSpPr>
+        <p:spPr/>
+        <p:txBody>
+          <a:bodyPr/>
+          <a:lstStyle/>
+          <a:p>
+            <a:fld id="{0B720F5E-57F2-4440-9313-17831BB4E27A}" type="slidenum">
+              <a:rPr lang="el-GR" smtClean="0"/>
+              <a:t>6</a:t>
+            </a:fld>
+            <a:endParaRPr lang="el-GR"/>
+          </a:p>
+        </p:txBody>
+      </p:sp>
+      <p:pic>
+        <p:nvPicPr>
+          <p:cNvPr id="7" name="Picture 6">
+            <a:extLst>
+              <a:ext uri="{FF2B5EF4-FFF2-40B4-BE49-F238E27FC236}">
+                <a16:creationId xmlns:a16="http://schemas.microsoft.com/office/drawing/2014/main" id="{13E9E75A-218C-4D33-835B-6B561C68D473}"/>
+              </a:ext>
+            </a:extLst>
+          </p:cNvPr>
+          <p:cNvPicPr>
+            <a:picLocks noChangeAspect="1"/>
+          </p:cNvPicPr>
+          <p:nvPr/>
+        </p:nvPicPr>
+        <p:blipFill>
+          <a:blip r:embed="rId3">
+            <a:extLst>
+              <a:ext uri="{28A0092B-C50C-407E-A947-70E740481C1C}">
+                <a14:useLocalDpi xmlns:a14="http://schemas.microsoft.com/office/drawing/2010/main" val="0"/>
+              </a:ext>
+            </a:extLst>
+          </a:blip>
+          <a:stretch>
+            <a:fillRect/>
+          </a:stretch>
+        </p:blipFill>
+        <p:spPr>
+          <a:xfrm>
+            <a:off x="10322201" y="34131"/>
+            <a:ext cx="1684748" cy="646906"/>
           </a:xfrm>
           <a:prstGeom prst="rect">
             <a:avLst/>
@@ -4298,7 +6167,7 @@
     </p:spTree>
     <p:extLst>
       <p:ext uri="{BB962C8B-B14F-4D97-AF65-F5344CB8AC3E}">
-        <p14:creationId xmlns:p14="http://schemas.microsoft.com/office/powerpoint/2010/main" val="2629683534"/>
+        <p14:creationId xmlns:p14="http://schemas.microsoft.com/office/powerpoint/2010/main" val="1182281702"/>
       </p:ext>
     </p:extLst>
   </p:cSld>
@@ -4348,7 +6217,7 @@
           <a:p>
             <a:r>
               <a:rPr lang="en-US" b="1" dirty="0"/>
-              <a:t>Use cases</a:t>
+              <a:t>Span&lt;T&gt;</a:t>
             </a:r>
             <a:endParaRPr lang="el-GR" b="1" dirty="0"/>
           </a:p>
@@ -4373,41 +6242,219 @@
         <p:spPr>
           <a:xfrm>
             <a:off x="838200" y="1825625"/>
-            <a:ext cx="10515600" cy="3794999"/>
+            <a:ext cx="10515600" cy="1186023"/>
           </a:xfrm>
         </p:spPr>
         <p:txBody>
-          <a:bodyPr>
-            <a:normAutofit/>
-          </a:bodyPr>
+          <a:bodyPr/>
           <a:lstStyle/>
           <a:p>
             <a:r>
               <a:rPr lang="en-US" dirty="0"/>
-              <a:t>Alternative to unsafe code </a:t>
+              <a:t>Is an value type abstraction over all types of memory available to .NET </a:t>
             </a:r>
           </a:p>
           <a:p>
             <a:r>
               <a:rPr lang="en-US" dirty="0"/>
-              <a:t>Parsing text</a:t>
-            </a:r>
-          </a:p>
-          <a:p>
-            <a:r>
-              <a:rPr lang="en-US" dirty="0"/>
-              <a:t>Sharing partial parts of memory</a:t>
-            </a:r>
+              <a:t>Ensures memory and type safety and has almost no overhead</a:t>
+            </a:r>
+          </a:p>
+          <a:p>
+            <a:endParaRPr lang="en-US" dirty="0"/>
           </a:p>
           <a:p>
             <a:endParaRPr lang="el-GR" dirty="0"/>
           </a:p>
         </p:txBody>
       </p:sp>
+      <p:pic>
+        <p:nvPicPr>
+          <p:cNvPr id="4" name="Picture 3">
+            <a:extLst>
+              <a:ext uri="{FF2B5EF4-FFF2-40B4-BE49-F238E27FC236}">
+                <a16:creationId xmlns:a16="http://schemas.microsoft.com/office/drawing/2014/main" id="{B4847F2A-CD59-4D6C-BCEA-99B4D0B90C96}"/>
+              </a:ext>
+            </a:extLst>
+          </p:cNvPr>
+          <p:cNvPicPr>
+            <a:picLocks noChangeAspect="1"/>
+          </p:cNvPicPr>
+          <p:nvPr/>
+        </p:nvPicPr>
+        <p:blipFill>
+          <a:blip r:embed="rId2"/>
+          <a:stretch>
+            <a:fillRect/>
+          </a:stretch>
+        </p:blipFill>
+        <p:spPr>
+          <a:xfrm>
+            <a:off x="838200" y="3011648"/>
+            <a:ext cx="4772025" cy="3076575"/>
+          </a:xfrm>
+          <a:prstGeom prst="rect">
+            <a:avLst/>
+          </a:prstGeom>
+        </p:spPr>
+      </p:pic>
+      <p:sp>
+        <p:nvSpPr>
+          <p:cNvPr id="5" name="Date Placeholder 4">
+            <a:extLst>
+              <a:ext uri="{FF2B5EF4-FFF2-40B4-BE49-F238E27FC236}">
+                <a16:creationId xmlns:a16="http://schemas.microsoft.com/office/drawing/2014/main" id="{8C7215D4-AD8A-40E6-A18A-99A41887D019}"/>
+              </a:ext>
+            </a:extLst>
+          </p:cNvPr>
+          <p:cNvSpPr>
+            <a:spLocks noGrp="1"/>
+          </p:cNvSpPr>
+          <p:nvPr>
+            <p:ph type="dt" sz="half" idx="10"/>
+          </p:nvPr>
+        </p:nvSpPr>
+        <p:spPr/>
+        <p:txBody>
+          <a:bodyPr/>
+          <a:lstStyle/>
+          <a:p>
+            <a:fld id="{13C1E0A1-3395-453B-BFB2-1C99A9702BA2}" type="datetime1">
+              <a:rPr lang="el-GR" smtClean="0"/>
+              <a:t>19/4/2018</a:t>
+            </a:fld>
+            <a:endParaRPr lang="el-GR"/>
+          </a:p>
+        </p:txBody>
+      </p:sp>
+      <p:sp>
+        <p:nvSpPr>
+          <p:cNvPr id="6" name="Footer Placeholder 5">
+            <a:extLst>
+              <a:ext uri="{FF2B5EF4-FFF2-40B4-BE49-F238E27FC236}">
+                <a16:creationId xmlns:a16="http://schemas.microsoft.com/office/drawing/2014/main" id="{C7C837BD-BCE5-4273-BB3E-BA70184E7C60}"/>
+              </a:ext>
+            </a:extLst>
+          </p:cNvPr>
+          <p:cNvSpPr>
+            <a:spLocks noGrp="1"/>
+          </p:cNvSpPr>
+          <p:nvPr>
+            <p:ph type="ftr" sz="quarter" idx="11"/>
+          </p:nvPr>
+        </p:nvSpPr>
+        <p:spPr/>
+        <p:txBody>
+          <a:bodyPr/>
+          <a:lstStyle/>
+          <a:p>
+            <a:r>
+              <a:rPr lang="en-US"/>
+              <a:t>Span</a:t>
+            </a:r>
+            <a:endParaRPr lang="el-GR"/>
+          </a:p>
+        </p:txBody>
+      </p:sp>
+      <p:sp>
+        <p:nvSpPr>
+          <p:cNvPr id="7" name="Slide Number Placeholder 6">
+            <a:extLst>
+              <a:ext uri="{FF2B5EF4-FFF2-40B4-BE49-F238E27FC236}">
+                <a16:creationId xmlns:a16="http://schemas.microsoft.com/office/drawing/2014/main" id="{18B7216A-8FD2-493E-A23C-CF341F60F686}"/>
+              </a:ext>
+            </a:extLst>
+          </p:cNvPr>
+          <p:cNvSpPr>
+            <a:spLocks noGrp="1"/>
+          </p:cNvSpPr>
+          <p:nvPr>
+            <p:ph type="sldNum" sz="quarter" idx="12"/>
+          </p:nvPr>
+        </p:nvSpPr>
+        <p:spPr/>
+        <p:txBody>
+          <a:bodyPr/>
+          <a:lstStyle/>
+          <a:p>
+            <a:fld id="{0B720F5E-57F2-4440-9313-17831BB4E27A}" type="slidenum">
+              <a:rPr lang="el-GR" smtClean="0"/>
+              <a:t>7</a:t>
+            </a:fld>
+            <a:endParaRPr lang="el-GR"/>
+          </a:p>
+        </p:txBody>
+      </p:sp>
+      <p:pic>
+        <p:nvPicPr>
+          <p:cNvPr id="8" name="Picture 7">
+            <a:extLst>
+              <a:ext uri="{FF2B5EF4-FFF2-40B4-BE49-F238E27FC236}">
+                <a16:creationId xmlns:a16="http://schemas.microsoft.com/office/drawing/2014/main" id="{EF2E92B7-9BC8-494C-B2D0-927B74C468E7}"/>
+              </a:ext>
+            </a:extLst>
+          </p:cNvPr>
+          <p:cNvPicPr>
+            <a:picLocks noChangeAspect="1"/>
+          </p:cNvPicPr>
+          <p:nvPr/>
+        </p:nvPicPr>
+        <p:blipFill>
+          <a:blip r:embed="rId3">
+            <a:extLst>
+              <a:ext uri="{28A0092B-C50C-407E-A947-70E740481C1C}">
+                <a14:useLocalDpi xmlns:a14="http://schemas.microsoft.com/office/drawing/2010/main" val="0"/>
+              </a:ext>
+            </a:extLst>
+          </a:blip>
+          <a:stretch>
+            <a:fillRect/>
+          </a:stretch>
+        </p:blipFill>
+        <p:spPr>
+          <a:xfrm>
+            <a:off x="10322201" y="34131"/>
+            <a:ext cx="1684748" cy="646906"/>
+          </a:xfrm>
+          <a:prstGeom prst="rect">
+            <a:avLst/>
+          </a:prstGeom>
+        </p:spPr>
+      </p:pic>
+      <p:pic>
+        <p:nvPicPr>
+          <p:cNvPr id="9" name="Picture 8">
+            <a:extLst>
+              <a:ext uri="{FF2B5EF4-FFF2-40B4-BE49-F238E27FC236}">
+                <a16:creationId xmlns:a16="http://schemas.microsoft.com/office/drawing/2014/main" id="{ED01A408-F64D-4B47-A04B-0A1ED8654DDF}"/>
+              </a:ext>
+            </a:extLst>
+          </p:cNvPr>
+          <p:cNvPicPr>
+            <a:picLocks noChangeAspect="1"/>
+          </p:cNvPicPr>
+          <p:nvPr/>
+        </p:nvPicPr>
+        <p:blipFill>
+          <a:blip r:embed="rId4"/>
+          <a:stretch>
+            <a:fillRect/>
+          </a:stretch>
+        </p:blipFill>
+        <p:spPr>
+          <a:xfrm>
+            <a:off x="5924550" y="3011648"/>
+            <a:ext cx="4457700" cy="1704975"/>
+          </a:xfrm>
+          <a:prstGeom prst="rect">
+            <a:avLst/>
+          </a:prstGeom>
+        </p:spPr>
+      </p:pic>
     </p:spTree>
     <p:extLst>
       <p:ext uri="{BB962C8B-B14F-4D97-AF65-F5344CB8AC3E}">
-        <p14:creationId xmlns:p14="http://schemas.microsoft.com/office/powerpoint/2010/main" val="1998760906"/>
+        <p14:creationId xmlns:p14="http://schemas.microsoft.com/office/powerpoint/2010/main" val="2629683534"/>
       </p:ext>
     </p:extLst>
   </p:cSld>
@@ -4456,109 +6503,28 @@
           <a:lstStyle/>
           <a:p>
             <a:r>
-              <a:rPr lang="en-US" b="1" dirty="0"/>
-              <a:t>Limitations</a:t>
+              <a:rPr lang="en-US" b="1" dirty="0" err="1"/>
+              <a:t>Api</a:t>
             </a:r>
             <a:endParaRPr lang="el-GR" b="1" dirty="0"/>
-          </a:p>
-        </p:txBody>
-      </p:sp>
-      <p:sp>
-        <p:nvSpPr>
-          <p:cNvPr id="3" name="Content Placeholder 2">
-            <a:extLst>
-              <a:ext uri="{FF2B5EF4-FFF2-40B4-BE49-F238E27FC236}">
-                <a16:creationId xmlns:a16="http://schemas.microsoft.com/office/drawing/2014/main" id="{54993B46-BEF5-4B6F-B66B-B948AACEAA86}"/>
-              </a:ext>
-            </a:extLst>
-          </p:cNvPr>
-          <p:cNvSpPr>
-            <a:spLocks noGrp="1"/>
-          </p:cNvSpPr>
-          <p:nvPr>
-            <p:ph idx="1"/>
-          </p:nvPr>
-        </p:nvSpPr>
-        <p:spPr/>
-        <p:txBody>
-          <a:bodyPr/>
-          <a:lstStyle/>
-          <a:p>
-            <a:r>
-              <a:rPr lang="en-US" dirty="0"/>
-              <a:t>Stack-only</a:t>
-            </a:r>
-          </a:p>
-          <a:p>
-            <a:r>
-              <a:rPr lang="en-US" dirty="0"/>
-              <a:t>Span must not be a field in non-stack-only type</a:t>
-            </a:r>
-          </a:p>
-          <a:p>
-            <a:endParaRPr lang="en-US" dirty="0"/>
-          </a:p>
-          <a:p>
-            <a:endParaRPr lang="en-US" sz="2000" dirty="0">
-              <a:solidFill>
-                <a:prstClr val="black">
-                  <a:lumMod val="50000"/>
-                  <a:lumOff val="50000"/>
-                </a:prstClr>
-              </a:solidFill>
-            </a:endParaRPr>
-          </a:p>
-          <a:p>
-            <a:endParaRPr lang="en-US" sz="2000" dirty="0">
-              <a:solidFill>
-                <a:schemeClr val="tx1">
-                  <a:lumMod val="50000"/>
-                  <a:lumOff val="50000"/>
-                </a:schemeClr>
-              </a:solidFill>
-            </a:endParaRPr>
-          </a:p>
-          <a:p>
-            <a:r>
-              <a:rPr lang="en-US" dirty="0"/>
-              <a:t>Span must not implement any existing interface</a:t>
-            </a:r>
-          </a:p>
-          <a:p>
-            <a:r>
-              <a:rPr lang="en-US" dirty="0"/>
-              <a:t>Span must not be a parameter for </a:t>
-            </a:r>
-            <a:r>
-              <a:rPr lang="en-US" dirty="0" err="1"/>
-              <a:t>async</a:t>
-            </a:r>
-            <a:r>
-              <a:rPr lang="en-US" dirty="0"/>
-              <a:t> method</a:t>
-            </a:r>
-          </a:p>
-          <a:p>
-            <a:r>
-              <a:rPr lang="en-US" dirty="0"/>
-              <a:t>Span must not be a generic type argument</a:t>
-            </a:r>
           </a:p>
         </p:txBody>
       </p:sp>
       <p:pic>
         <p:nvPicPr>
-          <p:cNvPr id="4" name="Picture 3">
-            <a:extLst>
-              <a:ext uri="{FF2B5EF4-FFF2-40B4-BE49-F238E27FC236}">
-                <a16:creationId xmlns:a16="http://schemas.microsoft.com/office/drawing/2014/main" id="{2C3799EF-928F-4379-8264-9ED2F8B44575}"/>
+          <p:cNvPr id="7" name="Content Placeholder 6">
+            <a:extLst>
+              <a:ext uri="{FF2B5EF4-FFF2-40B4-BE49-F238E27FC236}">
+                <a16:creationId xmlns:a16="http://schemas.microsoft.com/office/drawing/2014/main" id="{2B0F71FE-A5F3-4B8A-9A41-595AA5985A72}"/>
               </a:ext>
             </a:extLst>
           </p:cNvPr>
           <p:cNvPicPr>
-            <a:picLocks noChangeAspect="1"/>
+            <a:picLocks noGrp="1" noChangeAspect="1"/>
           </p:cNvPicPr>
-          <p:nvPr/>
+          <p:nvPr>
+            <p:ph idx="1"/>
+          </p:nvPr>
         </p:nvPicPr>
         <p:blipFill>
           <a:blip r:embed="rId2"/>
@@ -4568,8 +6534,131 @@
         </p:blipFill>
         <p:spPr>
           <a:xfrm>
-            <a:off x="1203903" y="2822864"/>
-            <a:ext cx="2228850" cy="990600"/>
+            <a:off x="838200" y="1690687"/>
+            <a:ext cx="4462670" cy="4942689"/>
+          </a:xfrm>
+          <a:prstGeom prst="rect">
+            <a:avLst/>
+          </a:prstGeom>
+        </p:spPr>
+      </p:pic>
+      <p:sp>
+        <p:nvSpPr>
+          <p:cNvPr id="3" name="Date Placeholder 2">
+            <a:extLst>
+              <a:ext uri="{FF2B5EF4-FFF2-40B4-BE49-F238E27FC236}">
+                <a16:creationId xmlns:a16="http://schemas.microsoft.com/office/drawing/2014/main" id="{73A1D730-6EE3-4FD2-B845-D90477585FEF}"/>
+              </a:ext>
+            </a:extLst>
+          </p:cNvPr>
+          <p:cNvSpPr>
+            <a:spLocks noGrp="1"/>
+          </p:cNvSpPr>
+          <p:nvPr>
+            <p:ph type="dt" sz="half" idx="10"/>
+          </p:nvPr>
+        </p:nvSpPr>
+        <p:spPr/>
+        <p:txBody>
+          <a:bodyPr/>
+          <a:lstStyle/>
+          <a:p>
+            <a:fld id="{4C6E0B24-280B-4995-BD07-B010071F9874}" type="datetime1">
+              <a:rPr lang="el-GR" smtClean="0"/>
+              <a:t>19/4/2018</a:t>
+            </a:fld>
+            <a:endParaRPr lang="el-GR"/>
+          </a:p>
+        </p:txBody>
+      </p:sp>
+      <p:sp>
+        <p:nvSpPr>
+          <p:cNvPr id="4" name="Footer Placeholder 3">
+            <a:extLst>
+              <a:ext uri="{FF2B5EF4-FFF2-40B4-BE49-F238E27FC236}">
+                <a16:creationId xmlns:a16="http://schemas.microsoft.com/office/drawing/2014/main" id="{8B8D451D-3F48-41B6-8866-62D02E18F279}"/>
+              </a:ext>
+            </a:extLst>
+          </p:cNvPr>
+          <p:cNvSpPr>
+            <a:spLocks noGrp="1"/>
+          </p:cNvSpPr>
+          <p:nvPr>
+            <p:ph type="ftr" sz="quarter" idx="11"/>
+          </p:nvPr>
+        </p:nvSpPr>
+        <p:spPr/>
+        <p:txBody>
+          <a:bodyPr/>
+          <a:lstStyle/>
+          <a:p>
+            <a:r>
+              <a:rPr lang="en-US"/>
+              <a:t>Span</a:t>
+            </a:r>
+            <a:endParaRPr lang="el-GR"/>
+          </a:p>
+        </p:txBody>
+      </p:sp>
+      <p:sp>
+        <p:nvSpPr>
+          <p:cNvPr id="5" name="Slide Number Placeholder 4">
+            <a:extLst>
+              <a:ext uri="{FF2B5EF4-FFF2-40B4-BE49-F238E27FC236}">
+                <a16:creationId xmlns:a16="http://schemas.microsoft.com/office/drawing/2014/main" id="{5B318D6A-A6BF-4098-BE94-EF0709A0E9A4}"/>
+              </a:ext>
+            </a:extLst>
+          </p:cNvPr>
+          <p:cNvSpPr>
+            <a:spLocks noGrp="1"/>
+          </p:cNvSpPr>
+          <p:nvPr>
+            <p:ph type="sldNum" sz="quarter" idx="12"/>
+          </p:nvPr>
+        </p:nvSpPr>
+        <p:spPr/>
+        <p:txBody>
+          <a:bodyPr/>
+          <a:lstStyle/>
+          <a:p>
+            <a:fld id="{0B720F5E-57F2-4440-9313-17831BB4E27A}" type="slidenum">
+              <a:rPr lang="el-GR" smtClean="0"/>
+              <a:t>8</a:t>
+            </a:fld>
+            <a:endParaRPr lang="el-GR"/>
+          </a:p>
+        </p:txBody>
+      </p:sp>
+      <p:pic>
+        <p:nvPicPr>
+          <p:cNvPr id="8" name="Picture 7">
+            <a:extLst>
+              <a:ext uri="{FF2B5EF4-FFF2-40B4-BE49-F238E27FC236}">
+                <a16:creationId xmlns:a16="http://schemas.microsoft.com/office/drawing/2014/main" id="{25A5DD6E-DEEA-480D-BE58-DDF680C3DA91}"/>
+              </a:ext>
+            </a:extLst>
+          </p:cNvPr>
+          <p:cNvPicPr>
+            <a:picLocks noChangeAspect="1"/>
+          </p:cNvPicPr>
+          <p:nvPr/>
+        </p:nvPicPr>
+        <p:blipFill>
+          <a:blip r:embed="rId3">
+            <a:extLst>
+              <a:ext uri="{28A0092B-C50C-407E-A947-70E740481C1C}">
+                <a14:useLocalDpi xmlns:a14="http://schemas.microsoft.com/office/drawing/2010/main" val="0"/>
+              </a:ext>
+            </a:extLst>
+          </a:blip>
+          <a:stretch>
+            <a:fillRect/>
+          </a:stretch>
+        </p:blipFill>
+        <p:spPr>
+          <a:xfrm>
+            <a:off x="10322201" y="34131"/>
+            <a:ext cx="1684748" cy="646906"/>
           </a:xfrm>
           <a:prstGeom prst="rect">
             <a:avLst/>
@@ -4579,7 +6668,7 @@
     </p:spTree>
     <p:extLst>
       <p:ext uri="{BB962C8B-B14F-4D97-AF65-F5344CB8AC3E}">
-        <p14:creationId xmlns:p14="http://schemas.microsoft.com/office/powerpoint/2010/main" val="1029567431"/>
+        <p14:creationId xmlns:p14="http://schemas.microsoft.com/office/powerpoint/2010/main" val="3437955845"/>
       </p:ext>
     </p:extLst>
   </p:cSld>
@@ -4629,18 +6718,155 @@
           <a:p>
             <a:r>
               <a:rPr lang="en-US" b="1" dirty="0"/>
-              <a:t>Version Hell</a:t>
+              <a:t>Use case scenarios</a:t>
             </a:r>
             <a:endParaRPr lang="el-GR" b="1" dirty="0"/>
+          </a:p>
+        </p:txBody>
+      </p:sp>
+      <p:sp>
+        <p:nvSpPr>
+          <p:cNvPr id="3" name="Content Placeholder 2">
+            <a:extLst>
+              <a:ext uri="{FF2B5EF4-FFF2-40B4-BE49-F238E27FC236}">
+                <a16:creationId xmlns:a16="http://schemas.microsoft.com/office/drawing/2014/main" id="{54993B46-BEF5-4B6F-B66B-B948AACEAA86}"/>
+              </a:ext>
+            </a:extLst>
+          </p:cNvPr>
+          <p:cNvSpPr>
+            <a:spLocks noGrp="1"/>
+          </p:cNvSpPr>
+          <p:nvPr>
+            <p:ph idx="1"/>
+          </p:nvPr>
+        </p:nvSpPr>
+        <p:spPr>
+          <a:xfrm>
+            <a:off x="838200" y="1825625"/>
+            <a:ext cx="10515600" cy="3794999"/>
+          </a:xfrm>
+        </p:spPr>
+        <p:txBody>
+          <a:bodyPr>
+            <a:normAutofit/>
+          </a:bodyPr>
+          <a:lstStyle/>
+          <a:p>
+            <a:r>
+              <a:rPr lang="en-US" dirty="0"/>
+              <a:t>Alternative to unsafe code </a:t>
+            </a:r>
+          </a:p>
+          <a:p>
+            <a:r>
+              <a:rPr lang="en-US" dirty="0"/>
+              <a:t>Parsing text</a:t>
+            </a:r>
+          </a:p>
+          <a:p>
+            <a:r>
+              <a:rPr lang="en-US" dirty="0"/>
+              <a:t>Sharing partial parts of memory</a:t>
+            </a:r>
+          </a:p>
+          <a:p>
+            <a:endParaRPr lang="el-GR" dirty="0"/>
+          </a:p>
+        </p:txBody>
+      </p:sp>
+      <p:sp>
+        <p:nvSpPr>
+          <p:cNvPr id="4" name="Date Placeholder 3">
+            <a:extLst>
+              <a:ext uri="{FF2B5EF4-FFF2-40B4-BE49-F238E27FC236}">
+                <a16:creationId xmlns:a16="http://schemas.microsoft.com/office/drawing/2014/main" id="{ECAB9D38-7781-42A5-AA3C-86B53E3E8780}"/>
+              </a:ext>
+            </a:extLst>
+          </p:cNvPr>
+          <p:cNvSpPr>
+            <a:spLocks noGrp="1"/>
+          </p:cNvSpPr>
+          <p:nvPr>
+            <p:ph type="dt" sz="half" idx="10"/>
+          </p:nvPr>
+        </p:nvSpPr>
+        <p:spPr/>
+        <p:txBody>
+          <a:bodyPr/>
+          <a:lstStyle/>
+          <a:p>
+            <a:fld id="{53B8222B-13A0-467D-8766-8A05D8DC93F3}" type="datetime1">
+              <a:rPr lang="el-GR" smtClean="0"/>
+              <a:t>19/4/2018</a:t>
+            </a:fld>
+            <a:endParaRPr lang="el-GR"/>
+          </a:p>
+        </p:txBody>
+      </p:sp>
+      <p:sp>
+        <p:nvSpPr>
+          <p:cNvPr id="5" name="Footer Placeholder 4">
+            <a:extLst>
+              <a:ext uri="{FF2B5EF4-FFF2-40B4-BE49-F238E27FC236}">
+                <a16:creationId xmlns:a16="http://schemas.microsoft.com/office/drawing/2014/main" id="{31C4D204-17B8-424A-A251-7FAA0C675944}"/>
+              </a:ext>
+            </a:extLst>
+          </p:cNvPr>
+          <p:cNvSpPr>
+            <a:spLocks noGrp="1"/>
+          </p:cNvSpPr>
+          <p:nvPr>
+            <p:ph type="ftr" sz="quarter" idx="11"/>
+          </p:nvPr>
+        </p:nvSpPr>
+        <p:spPr/>
+        <p:txBody>
+          <a:bodyPr/>
+          <a:lstStyle/>
+          <a:p>
+            <a:r>
+              <a:rPr lang="en-US"/>
+              <a:t>Span</a:t>
+            </a:r>
+            <a:endParaRPr lang="el-GR"/>
+          </a:p>
+        </p:txBody>
+      </p:sp>
+      <p:sp>
+        <p:nvSpPr>
+          <p:cNvPr id="6" name="Slide Number Placeholder 5">
+            <a:extLst>
+              <a:ext uri="{FF2B5EF4-FFF2-40B4-BE49-F238E27FC236}">
+                <a16:creationId xmlns:a16="http://schemas.microsoft.com/office/drawing/2014/main" id="{A7C8F0BA-3E2D-49E4-A7A5-82494C037F76}"/>
+              </a:ext>
+            </a:extLst>
+          </p:cNvPr>
+          <p:cNvSpPr>
+            <a:spLocks noGrp="1"/>
+          </p:cNvSpPr>
+          <p:nvPr>
+            <p:ph type="sldNum" sz="quarter" idx="12"/>
+          </p:nvPr>
+        </p:nvSpPr>
+        <p:spPr/>
+        <p:txBody>
+          <a:bodyPr/>
+          <a:lstStyle/>
+          <a:p>
+            <a:fld id="{0B720F5E-57F2-4440-9313-17831BB4E27A}" type="slidenum">
+              <a:rPr lang="el-GR" smtClean="0"/>
+              <a:t>9</a:t>
+            </a:fld>
+            <a:endParaRPr lang="el-GR"/>
           </a:p>
         </p:txBody>
       </p:sp>
       <p:pic>
         <p:nvPicPr>
-          <p:cNvPr id="6" name="Picture 5">
-            <a:extLst>
-              <a:ext uri="{FF2B5EF4-FFF2-40B4-BE49-F238E27FC236}">
-                <a16:creationId xmlns:a16="http://schemas.microsoft.com/office/drawing/2014/main" id="{87291E36-CAF7-433E-89D9-15B03939CB0B}"/>
+          <p:cNvPr id="7" name="Picture 6">
+            <a:extLst>
+              <a:ext uri="{FF2B5EF4-FFF2-40B4-BE49-F238E27FC236}">
+                <a16:creationId xmlns:a16="http://schemas.microsoft.com/office/drawing/2014/main" id="{DE581119-C0A5-47D2-B2DE-3E187A65281B}"/>
               </a:ext>
             </a:extLst>
           </p:cNvPr>
@@ -4650,126 +6876,31 @@
           <p:nvPr/>
         </p:nvPicPr>
         <p:blipFill>
-          <a:blip r:embed="rId2"/>
+          <a:blip r:embed="rId2">
+            <a:extLst>
+              <a:ext uri="{28A0092B-C50C-407E-A947-70E740481C1C}">
+                <a14:useLocalDpi xmlns:a14="http://schemas.microsoft.com/office/drawing/2010/main" val="0"/>
+              </a:ext>
+            </a:extLst>
+          </a:blip>
           <a:stretch>
             <a:fillRect/>
           </a:stretch>
         </p:blipFill>
         <p:spPr>
           <a:xfrm>
-            <a:off x="905164" y="1690688"/>
-            <a:ext cx="4544198" cy="2428306"/>
+            <a:off x="10322201" y="34131"/>
+            <a:ext cx="1684748" cy="646906"/>
           </a:xfrm>
           <a:prstGeom prst="rect">
             <a:avLst/>
           </a:prstGeom>
         </p:spPr>
       </p:pic>
-      <p:pic>
-        <p:nvPicPr>
-          <p:cNvPr id="7" name="Picture 6">
-            <a:extLst>
-              <a:ext uri="{FF2B5EF4-FFF2-40B4-BE49-F238E27FC236}">
-                <a16:creationId xmlns:a16="http://schemas.microsoft.com/office/drawing/2014/main" id="{9B1848A9-A5A4-49C0-8013-BA591A697DD5}"/>
-              </a:ext>
-            </a:extLst>
-          </p:cNvPr>
-          <p:cNvPicPr>
-            <a:picLocks noChangeAspect="1"/>
-          </p:cNvPicPr>
-          <p:nvPr/>
-        </p:nvPicPr>
-        <p:blipFill>
-          <a:blip r:embed="rId3"/>
-          <a:stretch>
-            <a:fillRect/>
-          </a:stretch>
-        </p:blipFill>
-        <p:spPr>
-          <a:xfrm>
-            <a:off x="911600" y="4349903"/>
-            <a:ext cx="4537762" cy="1995479"/>
-          </a:xfrm>
-          <a:prstGeom prst="rect">
-            <a:avLst/>
-          </a:prstGeom>
-        </p:spPr>
-      </p:pic>
-      <p:pic>
-        <p:nvPicPr>
-          <p:cNvPr id="8" name="Picture 7">
-            <a:extLst>
-              <a:ext uri="{FF2B5EF4-FFF2-40B4-BE49-F238E27FC236}">
-                <a16:creationId xmlns:a16="http://schemas.microsoft.com/office/drawing/2014/main" id="{46740EF4-F08E-4ABD-9348-869A308536F9}"/>
-              </a:ext>
-            </a:extLst>
-          </p:cNvPr>
-          <p:cNvPicPr>
-            <a:picLocks noChangeAspect="1"/>
-          </p:cNvPicPr>
-          <p:nvPr/>
-        </p:nvPicPr>
-        <p:blipFill>
-          <a:blip r:embed="rId4"/>
-          <a:stretch>
-            <a:fillRect/>
-          </a:stretch>
-        </p:blipFill>
-        <p:spPr>
-          <a:xfrm>
-            <a:off x="6096000" y="1590391"/>
-            <a:ext cx="5114925" cy="2628900"/>
-          </a:xfrm>
-          <a:prstGeom prst="rect">
-            <a:avLst/>
-          </a:prstGeom>
-        </p:spPr>
-      </p:pic>
-      <p:sp>
-        <p:nvSpPr>
-          <p:cNvPr id="9" name="Content Placeholder 2">
-            <a:extLst>
-              <a:ext uri="{FF2B5EF4-FFF2-40B4-BE49-F238E27FC236}">
-                <a16:creationId xmlns:a16="http://schemas.microsoft.com/office/drawing/2014/main" id="{76BE2799-8C5E-4C85-9A9D-27D8E1FDA1F0}"/>
-              </a:ext>
-            </a:extLst>
-          </p:cNvPr>
-          <p:cNvSpPr>
-            <a:spLocks noGrp="1"/>
-          </p:cNvSpPr>
-          <p:nvPr>
-            <p:ph idx="1"/>
-          </p:nvPr>
-        </p:nvSpPr>
-        <p:spPr>
-          <a:xfrm>
-            <a:off x="6096000" y="4496499"/>
-            <a:ext cx="5066964" cy="1643434"/>
-          </a:xfrm>
-        </p:spPr>
-        <p:txBody>
-          <a:bodyPr>
-            <a:normAutofit/>
-          </a:bodyPr>
-          <a:lstStyle/>
-          <a:p>
-            <a:r>
-              <a:rPr lang="en-US" sz="2400" dirty="0"/>
-              <a:t>Only the .NET Core 2.0 runtime enforces some of the safety rules</a:t>
-            </a:r>
-          </a:p>
-          <a:p>
-            <a:r>
-              <a:rPr lang="en-US" sz="2400" dirty="0"/>
-              <a:t>C# 7.2 to have safety guaranteed by the compiler</a:t>
-            </a:r>
-          </a:p>
-        </p:txBody>
-      </p:sp>
     </p:spTree>
     <p:extLst>
       <p:ext uri="{BB962C8B-B14F-4D97-AF65-F5344CB8AC3E}">
-        <p14:creationId xmlns:p14="http://schemas.microsoft.com/office/powerpoint/2010/main" val="1121898361"/>
+        <p14:creationId xmlns:p14="http://schemas.microsoft.com/office/powerpoint/2010/main" val="1998760906"/>
       </p:ext>
     </p:extLst>
   </p:cSld>
@@ -5072,4 +7203,299 @@
     </a:ext>
   </a:extLst>
 </a:theme>
+</file>
+
+<file path=ppt/theme/theme2.xml><?xml version="1.0" encoding="utf-8"?>
+<a:theme xmlns:a="http://schemas.openxmlformats.org/drawingml/2006/main" name="Office Theme">
+  <a:themeElements>
+    <a:clrScheme name="Office">
+      <a:dk1>
+        <a:sysClr val="windowText" lastClr="000000"/>
+      </a:dk1>
+      <a:lt1>
+        <a:sysClr val="window" lastClr="FFFFFF"/>
+      </a:lt1>
+      <a:dk2>
+        <a:srgbClr val="44546A"/>
+      </a:dk2>
+      <a:lt2>
+        <a:srgbClr val="E7E6E6"/>
+      </a:lt2>
+      <a:accent1>
+        <a:srgbClr val="4472C4"/>
+      </a:accent1>
+      <a:accent2>
+        <a:srgbClr val="ED7D31"/>
+      </a:accent2>
+      <a:accent3>
+        <a:srgbClr val="A5A5A5"/>
+      </a:accent3>
+      <a:accent4>
+        <a:srgbClr val="FFC000"/>
+      </a:accent4>
+      <a:accent5>
+        <a:srgbClr val="5B9BD5"/>
+      </a:accent5>
+      <a:accent6>
+        <a:srgbClr val="70AD47"/>
+      </a:accent6>
+      <a:hlink>
+        <a:srgbClr val="0563C1"/>
+      </a:hlink>
+      <a:folHlink>
+        <a:srgbClr val="954F72"/>
+      </a:folHlink>
+    </a:clrScheme>
+    <a:fontScheme name="Office">
+      <a:majorFont>
+        <a:latin typeface="Calibri Light" panose="020F0302020204030204"/>
+        <a:ea typeface=""/>
+        <a:cs typeface=""/>
+        <a:font script="Jpan" typeface="游ゴシック Light"/>
+        <a:font script="Hang" typeface="맑은 고딕"/>
+        <a:font script="Hans" typeface="等线 Light"/>
+        <a:font script="Hant" typeface="新細明體"/>
+        <a:font script="Arab" typeface="Times New Roman"/>
+        <a:font script="Hebr" typeface="Times New Roman"/>
+        <a:font script="Thai" typeface="Angsana New"/>
+        <a:font script="Ethi" typeface="Nyala"/>
+        <a:font script="Beng" typeface="Vrinda"/>
+        <a:font script="Gujr" typeface="Shruti"/>
+        <a:font script="Khmr" typeface="MoolBoran"/>
+        <a:font script="Knda" typeface="Tunga"/>
+        <a:font script="Guru" typeface="Raavi"/>
+        <a:font script="Cans" typeface="Euphemia"/>
+        <a:font script="Cher" typeface="Plantagenet Cherokee"/>
+        <a:font script="Yiii" typeface="Microsoft Yi Baiti"/>
+        <a:font script="Tibt" typeface="Microsoft Himalaya"/>
+        <a:font script="Thaa" typeface="MV Boli"/>
+        <a:font script="Deva" typeface="Mangal"/>
+        <a:font script="Telu" typeface="Gautami"/>
+        <a:font script="Taml" typeface="Latha"/>
+        <a:font script="Syrc" typeface="Estrangelo Edessa"/>
+        <a:font script="Orya" typeface="Kalinga"/>
+        <a:font script="Mlym" typeface="Kartika"/>
+        <a:font script="Laoo" typeface="DokChampa"/>
+        <a:font script="Sinh" typeface="Iskoola Pota"/>
+        <a:font script="Mong" typeface="Mongolian Baiti"/>
+        <a:font script="Viet" typeface="Times New Roman"/>
+        <a:font script="Uigh" typeface="Microsoft Uighur"/>
+        <a:font script="Geor" typeface="Sylfaen"/>
+        <a:font script="Armn" typeface="Arial"/>
+        <a:font script="Bugi" typeface="Leelawadee UI"/>
+        <a:font script="Bopo" typeface="Microsoft JhengHei"/>
+        <a:font script="Java" typeface="Javanese Text"/>
+        <a:font script="Lisu" typeface="Segoe UI"/>
+        <a:font script="Mymr" typeface="Myanmar Text"/>
+        <a:font script="Nkoo" typeface="Ebrima"/>
+        <a:font script="Olck" typeface="Nirmala UI"/>
+        <a:font script="Osma" typeface="Ebrima"/>
+        <a:font script="Phag" typeface="Phagspa"/>
+        <a:font script="Syrn" typeface="Estrangelo Edessa"/>
+        <a:font script="Syrj" typeface="Estrangelo Edessa"/>
+        <a:font script="Syre" typeface="Estrangelo Edessa"/>
+        <a:font script="Sora" typeface="Nirmala UI"/>
+        <a:font script="Tale" typeface="Microsoft Tai Le"/>
+        <a:font script="Talu" typeface="Microsoft New Tai Lue"/>
+        <a:font script="Tfng" typeface="Ebrima"/>
+      </a:majorFont>
+      <a:minorFont>
+        <a:latin typeface="Calibri" panose="020F0502020204030204"/>
+        <a:ea typeface=""/>
+        <a:cs typeface=""/>
+        <a:font script="Jpan" typeface="游ゴシック"/>
+        <a:font script="Hang" typeface="맑은 고딕"/>
+        <a:font script="Hans" typeface="等线"/>
+        <a:font script="Hant" typeface="新細明體"/>
+        <a:font script="Arab" typeface="Arial"/>
+        <a:font script="Hebr" typeface="Arial"/>
+        <a:font script="Thai" typeface="Cordia New"/>
+        <a:font script="Ethi" typeface="Nyala"/>
+        <a:font script="Beng" typeface="Vrinda"/>
+        <a:font script="Gujr" typeface="Shruti"/>
+        <a:font script="Khmr" typeface="DaunPenh"/>
+        <a:font script="Knda" typeface="Tunga"/>
+        <a:font script="Guru" typeface="Raavi"/>
+        <a:font script="Cans" typeface="Euphemia"/>
+        <a:font script="Cher" typeface="Plantagenet Cherokee"/>
+        <a:font script="Yiii" typeface="Microsoft Yi Baiti"/>
+        <a:font script="Tibt" typeface="Microsoft Himalaya"/>
+        <a:font script="Thaa" typeface="MV Boli"/>
+        <a:font script="Deva" typeface="Mangal"/>
+        <a:font script="Telu" typeface="Gautami"/>
+        <a:font script="Taml" typeface="Latha"/>
+        <a:font script="Syrc" typeface="Estrangelo Edessa"/>
+        <a:font script="Orya" typeface="Kalinga"/>
+        <a:font script="Mlym" typeface="Kartika"/>
+        <a:font script="Laoo" typeface="DokChampa"/>
+        <a:font script="Sinh" typeface="Iskoola Pota"/>
+        <a:font script="Mong" typeface="Mongolian Baiti"/>
+        <a:font script="Viet" typeface="Arial"/>
+        <a:font script="Uigh" typeface="Microsoft Uighur"/>
+        <a:font script="Geor" typeface="Sylfaen"/>
+        <a:font script="Armn" typeface="Arial"/>
+        <a:font script="Bugi" typeface="Leelawadee UI"/>
+        <a:font script="Bopo" typeface="Microsoft JhengHei"/>
+        <a:font script="Java" typeface="Javanese Text"/>
+        <a:font script="Lisu" typeface="Segoe UI"/>
+        <a:font script="Mymr" typeface="Myanmar Text"/>
+        <a:font script="Nkoo" typeface="Ebrima"/>
+        <a:font script="Olck" typeface="Nirmala UI"/>
+        <a:font script="Osma" typeface="Ebrima"/>
+        <a:font script="Phag" typeface="Phagspa"/>
+        <a:font script="Syrn" typeface="Estrangelo Edessa"/>
+        <a:font script="Syrj" typeface="Estrangelo Edessa"/>
+        <a:font script="Syre" typeface="Estrangelo Edessa"/>
+        <a:font script="Sora" typeface="Nirmala UI"/>
+        <a:font script="Tale" typeface="Microsoft Tai Le"/>
+        <a:font script="Talu" typeface="Microsoft New Tai Lue"/>
+        <a:font script="Tfng" typeface="Ebrima"/>
+      </a:minorFont>
+    </a:fontScheme>
+    <a:fmtScheme name="Office">
+      <a:fillStyleLst>
+        <a:solidFill>
+          <a:schemeClr val="phClr"/>
+        </a:solidFill>
+        <a:gradFill rotWithShape="1">
+          <a:gsLst>
+            <a:gs pos="0">
+              <a:schemeClr val="phClr">
+                <a:lumMod val="110000"/>
+                <a:satMod val="105000"/>
+                <a:tint val="67000"/>
+              </a:schemeClr>
+            </a:gs>
+            <a:gs pos="50000">
+              <a:schemeClr val="phClr">
+                <a:lumMod val="105000"/>
+                <a:satMod val="103000"/>
+                <a:tint val="73000"/>
+              </a:schemeClr>
+            </a:gs>
+            <a:gs pos="100000">
+              <a:schemeClr val="phClr">
+                <a:lumMod val="105000"/>
+                <a:satMod val="109000"/>
+                <a:tint val="81000"/>
+              </a:schemeClr>
+            </a:gs>
+          </a:gsLst>
+          <a:lin ang="5400000" scaled="0"/>
+        </a:gradFill>
+        <a:gradFill rotWithShape="1">
+          <a:gsLst>
+            <a:gs pos="0">
+              <a:schemeClr val="phClr">
+                <a:satMod val="103000"/>
+                <a:lumMod val="102000"/>
+                <a:tint val="94000"/>
+              </a:schemeClr>
+            </a:gs>
+            <a:gs pos="50000">
+              <a:schemeClr val="phClr">
+                <a:satMod val="110000"/>
+                <a:lumMod val="100000"/>
+                <a:shade val="100000"/>
+              </a:schemeClr>
+            </a:gs>
+            <a:gs pos="100000">
+              <a:schemeClr val="phClr">
+                <a:lumMod val="99000"/>
+                <a:satMod val="120000"/>
+                <a:shade val="78000"/>
+              </a:schemeClr>
+            </a:gs>
+          </a:gsLst>
+          <a:lin ang="5400000" scaled="0"/>
+        </a:gradFill>
+      </a:fillStyleLst>
+      <a:lnStyleLst>
+        <a:ln w="6350" cap="flat" cmpd="sng" algn="ctr">
+          <a:solidFill>
+            <a:schemeClr val="phClr"/>
+          </a:solidFill>
+          <a:prstDash val="solid"/>
+          <a:miter lim="800000"/>
+        </a:ln>
+        <a:ln w="12700" cap="flat" cmpd="sng" algn="ctr">
+          <a:solidFill>
+            <a:schemeClr val="phClr"/>
+          </a:solidFill>
+          <a:prstDash val="solid"/>
+          <a:miter lim="800000"/>
+        </a:ln>
+        <a:ln w="19050" cap="flat" cmpd="sng" algn="ctr">
+          <a:solidFill>
+            <a:schemeClr val="phClr"/>
+          </a:solidFill>
+          <a:prstDash val="solid"/>
+          <a:miter lim="800000"/>
+        </a:ln>
+      </a:lnStyleLst>
+      <a:effectStyleLst>
+        <a:effectStyle>
+          <a:effectLst/>
+        </a:effectStyle>
+        <a:effectStyle>
+          <a:effectLst/>
+        </a:effectStyle>
+        <a:effectStyle>
+          <a:effectLst>
+            <a:outerShdw blurRad="57150" dist="19050" dir="5400000" algn="ctr" rotWithShape="0">
+              <a:srgbClr val="000000">
+                <a:alpha val="63000"/>
+              </a:srgbClr>
+            </a:outerShdw>
+          </a:effectLst>
+        </a:effectStyle>
+      </a:effectStyleLst>
+      <a:bgFillStyleLst>
+        <a:solidFill>
+          <a:schemeClr val="phClr"/>
+        </a:solidFill>
+        <a:solidFill>
+          <a:schemeClr val="phClr">
+            <a:tint val="95000"/>
+            <a:satMod val="170000"/>
+          </a:schemeClr>
+        </a:solidFill>
+        <a:gradFill rotWithShape="1">
+          <a:gsLst>
+            <a:gs pos="0">
+              <a:schemeClr val="phClr">
+                <a:tint val="93000"/>
+                <a:satMod val="150000"/>
+                <a:shade val="98000"/>
+                <a:lumMod val="102000"/>
+              </a:schemeClr>
+            </a:gs>
+            <a:gs pos="50000">
+              <a:schemeClr val="phClr">
+                <a:tint val="98000"/>
+                <a:satMod val="130000"/>
+                <a:shade val="90000"/>
+                <a:lumMod val="103000"/>
+              </a:schemeClr>
+            </a:gs>
+            <a:gs pos="100000">
+              <a:schemeClr val="phClr">
+                <a:shade val="63000"/>
+                <a:satMod val="120000"/>
+              </a:schemeClr>
+            </a:gs>
+          </a:gsLst>
+          <a:lin ang="5400000" scaled="0"/>
+        </a:gradFill>
+      </a:bgFillStyleLst>
+    </a:fmtScheme>
+  </a:themeElements>
+  <a:objectDefaults/>
+  <a:extraClrSchemeLst/>
+  <a:extLst>
+    <a:ext uri="{05A4C25C-085E-4340-85A3-A5531E510DB2}">
+      <thm15:themeFamily xmlns:thm15="http://schemas.microsoft.com/office/thememl/2012/main" name="Office Theme" id="{62F939B6-93AF-4DB8-9C6B-D6C7DFDC589F}" vid="{4A3C46E8-61CC-4603-A589-7422A47A8E4A}"/>
+    </a:ext>
+  </a:extLst>
+</a:theme>
 </file>